--- a/Documentation/presentation/voteMachine.pptx
+++ b/Documentation/presentation/voteMachine.pptx
@@ -9,6 +9,7 @@
     <p:sldId id="259" r:id="rId3"/>
     <p:sldId id="257" r:id="rId4"/>
     <p:sldId id="258" r:id="rId5"/>
+    <p:sldId id="260" r:id="rId6"/>
   </p:sldIdLst>
   <p:sldSz cx="12192000" cy="6858000"/>
   <p:notesSz cx="6858000" cy="9144000"/>
@@ -107,7 +108,16 @@
       </a:defRPr>
     </a:lvl9pPr>
   </p:defaultTextStyle>
+  <p:extLst>
+    <p:ext uri="{EFAFB233-063F-42B5-8137-9DF3F51BA10A}">
+      <p15:sldGuideLst xmlns:p15="http://schemas.microsoft.com/office/powerpoint/2012/main"/>
+    </p:ext>
+  </p:extLst>
 </p:presentation>
+</file>
+
+<file path=ppt/revisionInfo.xml><?xml version="1.0" encoding="utf-8"?>
+<p1510:revInfo xmlns:a="http://schemas.openxmlformats.org/drawingml/2006/main" xmlns:r="http://schemas.openxmlformats.org/officeDocument/2006/relationships" xmlns:p1510="http://schemas.microsoft.com/office/powerpoint/2015/10/main"/>
 </file>
 
 <file path=ppt/slideLayouts/slideLayout1.xml><?xml version="1.0" encoding="utf-8"?>
@@ -837,7 +847,7 @@
             <a:fld id="{B61BEF0D-F0BB-DE4B-95CE-6DB70DBA9567}" type="datetimeFigureOut">
               <a:rPr lang="en-US" dirty="0"/>
               <a:pPr/>
-              <a:t>9/20/2017</a:t>
+              <a:t>9/24/2017</a:t>
             </a:fld>
             <a:endParaRPr lang="en-US" dirty="0"/>
           </a:p>
@@ -1085,7 +1095,7 @@
             <a:fld id="{B61BEF0D-F0BB-DE4B-95CE-6DB70DBA9567}" type="datetimeFigureOut">
               <a:rPr lang="en-US" dirty="0"/>
               <a:pPr/>
-              <a:t>9/20/2017</a:t>
+              <a:t>9/24/2017</a:t>
             </a:fld>
             <a:endParaRPr lang="en-US" dirty="0"/>
           </a:p>
@@ -1396,7 +1406,7 @@
             <a:fld id="{B61BEF0D-F0BB-DE4B-95CE-6DB70DBA9567}" type="datetimeFigureOut">
               <a:rPr lang="en-US" dirty="0"/>
               <a:pPr/>
-              <a:t>9/20/2017</a:t>
+              <a:t>9/24/2017</a:t>
             </a:fld>
             <a:endParaRPr lang="en-US" dirty="0"/>
           </a:p>
@@ -1720,7 +1730,7 @@
             <a:fld id="{B61BEF0D-F0BB-DE4B-95CE-6DB70DBA9567}" type="datetimeFigureOut">
               <a:rPr lang="en-US" dirty="0"/>
               <a:pPr/>
-              <a:t>9/20/2017</a:t>
+              <a:t>9/24/2017</a:t>
             </a:fld>
             <a:endParaRPr lang="en-US" dirty="0"/>
           </a:p>
@@ -2031,7 +2041,7 @@
             <a:fld id="{B61BEF0D-F0BB-DE4B-95CE-6DB70DBA9567}" type="datetimeFigureOut">
               <a:rPr lang="en-US" dirty="0"/>
               <a:pPr/>
-              <a:t>9/20/2017</a:t>
+              <a:t>9/24/2017</a:t>
             </a:fld>
             <a:endParaRPr lang="en-US" dirty="0"/>
           </a:p>
@@ -2415,7 +2425,7 @@
             <a:fld id="{B61BEF0D-F0BB-DE4B-95CE-6DB70DBA9567}" type="datetimeFigureOut">
               <a:rPr lang="en-US" dirty="0"/>
               <a:pPr/>
-              <a:t>9/20/2017</a:t>
+              <a:t>9/24/2017</a:t>
             </a:fld>
             <a:endParaRPr lang="en-US" dirty="0"/>
           </a:p>
@@ -2581,7 +2591,7 @@
           <a:p>
             <a:fld id="{55C6B4A9-1611-4792-9094-5F34BCA07E0B}" type="datetimeFigureOut">
               <a:rPr lang="en-US" dirty="0"/>
-              <a:t>9/20/2017</a:t>
+              <a:t>9/24/2017</a:t>
             </a:fld>
             <a:endParaRPr lang="en-US" dirty="0"/>
           </a:p>
@@ -2757,7 +2767,7 @@
             <a:fld id="{B61BEF0D-F0BB-DE4B-95CE-6DB70DBA9567}" type="datetimeFigureOut">
               <a:rPr lang="en-US" dirty="0"/>
               <a:pPr/>
-              <a:t>9/20/2017</a:t>
+              <a:t>9/24/2017</a:t>
             </a:fld>
             <a:endParaRPr lang="en-US" dirty="0"/>
           </a:p>
@@ -2923,7 +2933,7 @@
           <a:p>
             <a:fld id="{42A54C80-263E-416B-A8E0-580EDEADCBDC}" type="datetimeFigureOut">
               <a:rPr lang="en-US" dirty="0"/>
-              <a:t>9/20/2017</a:t>
+              <a:t>9/24/2017</a:t>
             </a:fld>
             <a:endParaRPr lang="en-US" dirty="0"/>
           </a:p>
@@ -3166,7 +3176,7 @@
             <a:fld id="{B61BEF0D-F0BB-DE4B-95CE-6DB70DBA9567}" type="datetimeFigureOut">
               <a:rPr lang="en-US" dirty="0"/>
               <a:pPr/>
-              <a:t>9/20/2017</a:t>
+              <a:t>9/24/2017</a:t>
             </a:fld>
             <a:endParaRPr lang="en-US" dirty="0"/>
           </a:p>
@@ -3394,7 +3404,7 @@
           <a:p>
             <a:fld id="{42A54C80-263E-416B-A8E0-580EDEADCBDC}" type="datetimeFigureOut">
               <a:rPr lang="en-US" dirty="0"/>
-              <a:t>9/20/2017</a:t>
+              <a:t>9/24/2017</a:t>
             </a:fld>
             <a:endParaRPr lang="en-US" dirty="0"/>
           </a:p>
@@ -3764,7 +3774,7 @@
             <a:fld id="{B61BEF0D-F0BB-DE4B-95CE-6DB70DBA9567}" type="datetimeFigureOut">
               <a:rPr lang="en-US" dirty="0"/>
               <a:pPr/>
-              <a:t>9/20/2017</a:t>
+              <a:t>9/24/2017</a:t>
             </a:fld>
             <a:endParaRPr lang="en-US" dirty="0"/>
           </a:p>
@@ -3884,7 +3894,7 @@
             <a:fld id="{B61BEF0D-F0BB-DE4B-95CE-6DB70DBA9567}" type="datetimeFigureOut">
               <a:rPr lang="en-US" dirty="0"/>
               <a:pPr/>
-              <a:t>9/20/2017</a:t>
+              <a:t>9/24/2017</a:t>
             </a:fld>
             <a:endParaRPr lang="en-US" dirty="0"/>
           </a:p>
@@ -3976,7 +3986,7 @@
             <a:fld id="{B61BEF0D-F0BB-DE4B-95CE-6DB70DBA9567}" type="datetimeFigureOut">
               <a:rPr lang="en-US" dirty="0"/>
               <a:pPr/>
-              <a:t>9/20/2017</a:t>
+              <a:t>9/24/2017</a:t>
             </a:fld>
             <a:endParaRPr lang="en-US" dirty="0"/>
           </a:p>
@@ -4227,7 +4237,7 @@
           <a:p>
             <a:fld id="{42A54C80-263E-416B-A8E0-580EDEADCBDC}" type="datetimeFigureOut">
               <a:rPr lang="en-US" dirty="0"/>
-              <a:t>9/20/2017</a:t>
+              <a:t>9/24/2017</a:t>
             </a:fld>
             <a:endParaRPr lang="en-US" dirty="0"/>
           </a:p>
@@ -4486,7 +4496,7 @@
             <a:fld id="{B61BEF0D-F0BB-DE4B-95CE-6DB70DBA9567}" type="datetimeFigureOut">
               <a:rPr lang="en-US" dirty="0"/>
               <a:pPr/>
-              <a:t>9/20/2017</a:t>
+              <a:t>9/24/2017</a:t>
             </a:fld>
             <a:endParaRPr lang="en-US" dirty="0"/>
           </a:p>
@@ -5228,7 +5238,7 @@
             <a:fld id="{B61BEF0D-F0BB-DE4B-95CE-6DB70DBA9567}" type="datetimeFigureOut">
               <a:rPr lang="en-US" dirty="0"/>
               <a:pPr/>
-              <a:t>9/20/2017</a:t>
+              <a:t>9/24/2017</a:t>
             </a:fld>
             <a:endParaRPr lang="en-US" dirty="0"/>
           </a:p>
@@ -6213,6 +6223,93 @@
 </p:sld>
 </file>
 
+<file path=ppt/slides/slide5.xml><?xml version="1.0" encoding="utf-8"?>
+<p:sld xmlns:a="http://schemas.openxmlformats.org/drawingml/2006/main" xmlns:r="http://schemas.openxmlformats.org/officeDocument/2006/relationships" xmlns:p="http://schemas.openxmlformats.org/presentationml/2006/main">
+  <p:cSld>
+    <p:spTree>
+      <p:nvGrpSpPr>
+        <p:cNvPr id="1" name=""/>
+        <p:cNvGrpSpPr/>
+        <p:nvPr/>
+      </p:nvGrpSpPr>
+      <p:grpSpPr>
+        <a:xfrm>
+          <a:off x="0" y="0"/>
+          <a:ext cx="0" cy="0"/>
+          <a:chOff x="0" y="0"/>
+          <a:chExt cx="0" cy="0"/>
+        </a:xfrm>
+      </p:grpSpPr>
+      <p:sp>
+        <p:nvSpPr>
+          <p:cNvPr id="2" name="Title 1">
+            <a:extLst>
+              <a:ext uri="{FF2B5EF4-FFF2-40B4-BE49-F238E27FC236}">
+                <a16:creationId xmlns:a16="http://schemas.microsoft.com/office/drawing/2014/main" id="{9C4F7D3B-DD9F-4DB9-97C1-72412FFD24A7}"/>
+              </a:ext>
+            </a:extLst>
+          </p:cNvPr>
+          <p:cNvSpPr>
+            <a:spLocks noGrp="1"/>
+          </p:cNvSpPr>
+          <p:nvPr>
+            <p:ph type="title"/>
+          </p:nvPr>
+        </p:nvSpPr>
+        <p:spPr/>
+        <p:txBody>
+          <a:bodyPr/>
+          <a:lstStyle/>
+          <a:p>
+            <a:r>
+              <a:rPr lang="en-US" dirty="0" err="1"/>
+              <a:t>Länkar</a:t>
+            </a:r>
+            <a:endParaRPr lang="en-US" dirty="0"/>
+          </a:p>
+        </p:txBody>
+      </p:sp>
+      <p:sp>
+        <p:nvSpPr>
+          <p:cNvPr id="3" name="Content Placeholder 2">
+            <a:extLst>
+              <a:ext uri="{FF2B5EF4-FFF2-40B4-BE49-F238E27FC236}">
+                <a16:creationId xmlns:a16="http://schemas.microsoft.com/office/drawing/2014/main" id="{E28DD783-660B-4B6E-8BEA-CB73FE238221}"/>
+              </a:ext>
+            </a:extLst>
+          </p:cNvPr>
+          <p:cNvSpPr>
+            <a:spLocks noGrp="1"/>
+          </p:cNvSpPr>
+          <p:nvPr>
+            <p:ph idx="1"/>
+          </p:nvPr>
+        </p:nvSpPr>
+        <p:spPr/>
+        <p:txBody>
+          <a:bodyPr/>
+          <a:lstStyle/>
+          <a:p>
+            <a:r>
+              <a:rPr lang="en-US" dirty="0"/>
+              <a:t>https://github.com/GoblinDynamiteer/voteMachine</a:t>
+            </a:r>
+          </a:p>
+        </p:txBody>
+      </p:sp>
+    </p:spTree>
+    <p:extLst>
+      <p:ext uri="{BB962C8B-B14F-4D97-AF65-F5344CB8AC3E}">
+        <p14:creationId xmlns:p14="http://schemas.microsoft.com/office/powerpoint/2010/main" val="199235954"/>
+      </p:ext>
+    </p:extLst>
+  </p:cSld>
+  <p:clrMapOvr>
+    <a:masterClrMapping/>
+  </p:clrMapOvr>
+</p:sld>
+</file>
+
 <file path=ppt/theme/theme1.xml><?xml version="1.0" encoding="utf-8"?>
 <a:theme xmlns:a="http://schemas.openxmlformats.org/drawingml/2006/main" name="Facet">
   <a:themeElements>

--- a/Documentation/presentation/voteMachine.pptx
+++ b/Documentation/presentation/voteMachine.pptx
@@ -5951,7 +5951,99 @@
           <a:bodyPr/>
           <a:lstStyle/>
           <a:p>
-            <a:endParaRPr lang="en-US" dirty="0"/>
+            <a:r>
+              <a:rPr lang="en-US" dirty="0" err="1"/>
+              <a:t>Sätt</a:t>
+            </a:r>
+            <a:r>
+              <a:rPr lang="en-US" dirty="0"/>
+              <a:t> </a:t>
+            </a:r>
+            <a:r>
+              <a:rPr lang="en-US" dirty="0" err="1"/>
+              <a:t>fråga</a:t>
+            </a:r>
+            <a:r>
+              <a:rPr lang="en-US" dirty="0"/>
+              <a:t> / display-text via App</a:t>
+            </a:r>
+          </a:p>
+          <a:p>
+            <a:r>
+              <a:rPr lang="en-US" dirty="0" err="1"/>
+              <a:t>Rösta</a:t>
+            </a:r>
+            <a:r>
+              <a:rPr lang="en-US" dirty="0"/>
+              <a:t> med </a:t>
+            </a:r>
+            <a:r>
+              <a:rPr lang="en-US" dirty="0" err="1"/>
+              <a:t>knappar</a:t>
+            </a:r>
+            <a:r>
+              <a:rPr lang="en-US" dirty="0"/>
+              <a:t> </a:t>
+            </a:r>
+            <a:r>
+              <a:rPr lang="en-US" dirty="0" err="1"/>
+              <a:t>på</a:t>
+            </a:r>
+            <a:r>
+              <a:rPr lang="en-US" dirty="0"/>
+              <a:t> </a:t>
+            </a:r>
+            <a:r>
+              <a:rPr lang="en-US" dirty="0" err="1"/>
+              <a:t>maskinen</a:t>
+            </a:r>
+            <a:endParaRPr lang="en-US" dirty="0"/>
+          </a:p>
+          <a:p>
+            <a:r>
+              <a:rPr lang="en-US" dirty="0"/>
+              <a:t>Se </a:t>
+            </a:r>
+            <a:r>
+              <a:rPr lang="en-US" dirty="0" err="1"/>
+              <a:t>fråga</a:t>
+            </a:r>
+            <a:r>
+              <a:rPr lang="en-US" dirty="0"/>
+              <a:t> </a:t>
+            </a:r>
+            <a:r>
+              <a:rPr lang="en-US" dirty="0" err="1"/>
+              <a:t>och</a:t>
+            </a:r>
+            <a:r>
+              <a:rPr lang="en-US" dirty="0"/>
+              <a:t> </a:t>
+            </a:r>
+            <a:r>
+              <a:rPr lang="en-US" dirty="0" err="1"/>
+              <a:t>antal</a:t>
+            </a:r>
+            <a:r>
+              <a:rPr lang="en-US" dirty="0"/>
+              <a:t> </a:t>
+            </a:r>
+            <a:r>
+              <a:rPr lang="en-US" dirty="0" err="1"/>
+              <a:t>röster</a:t>
+            </a:r>
+            <a:r>
+              <a:rPr lang="en-US" dirty="0"/>
+              <a:t> </a:t>
+            </a:r>
+            <a:r>
+              <a:rPr lang="en-US" dirty="0" err="1"/>
+              <a:t>på</a:t>
+            </a:r>
+            <a:r>
+              <a:rPr lang="en-US" dirty="0"/>
+              <a:t> web</a:t>
+            </a:r>
           </a:p>
         </p:txBody>
       </p:sp>

--- a/Documentation/presentation/voteMachine.pptx
+++ b/Documentation/presentation/voteMachine.pptx
@@ -8,8 +8,11 @@
     <p:sldId id="256" r:id="rId2"/>
     <p:sldId id="259" r:id="rId3"/>
     <p:sldId id="257" r:id="rId4"/>
-    <p:sldId id="258" r:id="rId5"/>
-    <p:sldId id="260" r:id="rId6"/>
+    <p:sldId id="263" r:id="rId5"/>
+    <p:sldId id="258" r:id="rId6"/>
+    <p:sldId id="261" r:id="rId7"/>
+    <p:sldId id="262" r:id="rId8"/>
+    <p:sldId id="260" r:id="rId9"/>
   </p:sldIdLst>
   <p:sldSz cx="12192000" cy="6858000"/>
   <p:notesSz cx="6858000" cy="9144000"/>
@@ -6253,6 +6256,296 @@
           <p:cNvPr id="2" name="Title 1">
             <a:extLst>
               <a:ext uri="{FF2B5EF4-FFF2-40B4-BE49-F238E27FC236}">
+                <a16:creationId xmlns:a16="http://schemas.microsoft.com/office/drawing/2014/main" id="{D5990E54-3D05-4CF2-99C0-7ADDBE508DED}"/>
+              </a:ext>
+            </a:extLst>
+          </p:cNvPr>
+          <p:cNvSpPr>
+            <a:spLocks noGrp="1"/>
+          </p:cNvSpPr>
+          <p:nvPr>
+            <p:ph type="title"/>
+          </p:nvPr>
+        </p:nvSpPr>
+        <p:spPr/>
+        <p:txBody>
+          <a:bodyPr/>
+          <a:lstStyle/>
+          <a:p>
+            <a:r>
+              <a:rPr lang="sv-SE" dirty="0"/>
+              <a:t>Ritning</a:t>
+            </a:r>
+          </a:p>
+        </p:txBody>
+      </p:sp>
+      <p:pic>
+        <p:nvPicPr>
+          <p:cNvPr id="9" name="Content Placeholder 8" descr="A screenshot of a cell phone&#10;&#10;Description generated with very high confidence">
+            <a:extLst>
+              <a:ext uri="{FF2B5EF4-FFF2-40B4-BE49-F238E27FC236}">
+                <a16:creationId xmlns:a16="http://schemas.microsoft.com/office/drawing/2014/main" id="{03D1A93F-7CB4-4CD6-B3EB-3D4A1654AA96}"/>
+              </a:ext>
+            </a:extLst>
+          </p:cNvPr>
+          <p:cNvPicPr>
+            <a:picLocks noGrp="1" noChangeAspect="1"/>
+          </p:cNvPicPr>
+          <p:nvPr>
+            <p:ph idx="1"/>
+          </p:nvPr>
+        </p:nvPicPr>
+        <p:blipFill>
+          <a:blip r:embed="rId2"/>
+          <a:stretch>
+            <a:fillRect/>
+          </a:stretch>
+        </p:blipFill>
+        <p:spPr>
+          <a:xfrm>
+            <a:off x="684209" y="1295943"/>
+            <a:ext cx="7384407" cy="4251418"/>
+          </a:xfrm>
+        </p:spPr>
+      </p:pic>
+      <p:pic>
+        <p:nvPicPr>
+          <p:cNvPr id="1026" name="Picture 2" descr="Image result for ssd1306">
+            <a:extLst>
+              <a:ext uri="{FF2B5EF4-FFF2-40B4-BE49-F238E27FC236}">
+                <a16:creationId xmlns:a16="http://schemas.microsoft.com/office/drawing/2014/main" id="{4FAF13ED-7F47-4948-9D67-5AF25A3B1F88}"/>
+              </a:ext>
+            </a:extLst>
+          </p:cNvPr>
+          <p:cNvPicPr>
+            <a:picLocks noChangeAspect="1" noChangeArrowheads="1"/>
+          </p:cNvPicPr>
+          <p:nvPr/>
+        </p:nvPicPr>
+        <p:blipFill>
+          <a:blip r:embed="rId3">
+            <a:extLst>
+              <a:ext uri="{BEBA8EAE-BF5A-486C-A8C5-ECC9F3942E4B}">
+                <a14:imgProps xmlns:a14="http://schemas.microsoft.com/office/drawing/2010/main">
+                  <a14:imgLayer r:embed="rId4">
+                    <a14:imgEffect>
+                      <a14:backgroundRemoval t="10000" b="90000" l="10000" r="90000">
+                        <a14:foregroundMark x1="24891" y1="35371" x2="18777" y2="32533"/>
+                        <a14:foregroundMark x1="32096" y1="73799" x2="39520" y2="78603"/>
+                        <a14:foregroundMark x1="74017" y1="65284" x2="74017" y2="37773"/>
+                        <a14:foregroundMark x1="74017" y1="37773" x2="62882" y2="14410"/>
+                        <a14:foregroundMark x1="62882" y1="14410" x2="67249" y2="62882"/>
+                        <a14:foregroundMark x1="77293" y1="63537" x2="72052" y2="62882"/>
+                        <a14:foregroundMark x1="84061" y1="63755" x2="78821" y2="58515"/>
+                        <a14:foregroundMark x1="81659" y1="63755" x2="81441" y2="63537"/>
+                        <a14:foregroundMark x1="37555" y1="79694" x2="34934" y2="76638"/>
+                        <a14:foregroundMark x1="44541" y1="79913" x2="78384" y2="67249"/>
+                        <a14:foregroundMark x1="65502" y1="17249" x2="70524" y2="23362"/>
+                      </a14:backgroundRemoval>
+                    </a14:imgEffect>
+                  </a14:imgLayer>
+                </a14:imgProps>
+              </a:ext>
+              <a:ext uri="{28A0092B-C50C-407E-A947-70E740481C1C}">
+                <a14:useLocalDpi xmlns:a14="http://schemas.microsoft.com/office/drawing/2010/main" val="0"/>
+              </a:ext>
+            </a:extLst>
+          </a:blip>
+          <a:srcRect/>
+          <a:stretch>
+            <a:fillRect/>
+          </a:stretch>
+        </p:blipFill>
+        <p:spPr bwMode="auto">
+          <a:xfrm>
+            <a:off x="7509821" y="1355344"/>
+            <a:ext cx="1887884" cy="1887884"/>
+          </a:xfrm>
+          <a:prstGeom prst="rect">
+            <a:avLst/>
+          </a:prstGeom>
+          <a:noFill/>
+          <a:extLst>
+            <a:ext uri="{909E8E84-426E-40DD-AFC4-6F175D3DCCD1}">
+              <a14:hiddenFill xmlns:a14="http://schemas.microsoft.com/office/drawing/2010/main">
+                <a:solidFill>
+                  <a:srgbClr val="FFFFFF"/>
+                </a:solidFill>
+              </a14:hiddenFill>
+            </a:ext>
+          </a:extLst>
+        </p:spPr>
+      </p:pic>
+      <p:pic>
+        <p:nvPicPr>
+          <p:cNvPr id="1030" name="Picture 6" descr="Image result for button breadboard red green">
+            <a:extLst>
+              <a:ext uri="{FF2B5EF4-FFF2-40B4-BE49-F238E27FC236}">
+                <a16:creationId xmlns:a16="http://schemas.microsoft.com/office/drawing/2014/main" id="{F145491B-0338-4878-89E5-AD26E8048D18}"/>
+              </a:ext>
+            </a:extLst>
+          </p:cNvPr>
+          <p:cNvPicPr>
+            <a:picLocks noChangeAspect="1" noChangeArrowheads="1"/>
+          </p:cNvPicPr>
+          <p:nvPr/>
+        </p:nvPicPr>
+        <p:blipFill rotWithShape="1">
+          <a:blip r:embed="rId5">
+            <a:extLst>
+              <a:ext uri="{28A0092B-C50C-407E-A947-70E740481C1C}">
+                <a14:useLocalDpi xmlns:a14="http://schemas.microsoft.com/office/drawing/2010/main" val="0"/>
+              </a:ext>
+            </a:extLst>
+          </a:blip>
+          <a:srcRect l="14410" t="8120" r="14854" b="6667"/>
+          <a:stretch/>
+        </p:blipFill>
+        <p:spPr bwMode="auto">
+          <a:xfrm rot="892865">
+            <a:off x="7978784" y="3601914"/>
+            <a:ext cx="1385051" cy="1212455"/>
+          </a:xfrm>
+          <a:prstGeom prst="rect">
+            <a:avLst/>
+          </a:prstGeom>
+          <a:noFill/>
+          <a:extLst>
+            <a:ext uri="{909E8E84-426E-40DD-AFC4-6F175D3DCCD1}">
+              <a14:hiddenFill xmlns:a14="http://schemas.microsoft.com/office/drawing/2010/main">
+                <a:solidFill>
+                  <a:srgbClr val="FFFFFF"/>
+                </a:solidFill>
+              </a14:hiddenFill>
+            </a:ext>
+          </a:extLst>
+        </p:spPr>
+      </p:pic>
+      <p:pic>
+        <p:nvPicPr>
+          <p:cNvPr id="13" name="Picture 2" descr="https://img2.banggood.com/thumb/view/oaupload/banggood/images/6B/97/3cda1ef7-adef-92d8-f26b-9c047864b814.jpg">
+            <a:extLst>
+              <a:ext uri="{FF2B5EF4-FFF2-40B4-BE49-F238E27FC236}">
+                <a16:creationId xmlns:a16="http://schemas.microsoft.com/office/drawing/2014/main" id="{F975BA3B-E176-4191-B935-72A9015F0B2D}"/>
+              </a:ext>
+            </a:extLst>
+          </p:cNvPr>
+          <p:cNvPicPr>
+            <a:picLocks noChangeAspect="1" noChangeArrowheads="1"/>
+          </p:cNvPicPr>
+          <p:nvPr/>
+        </p:nvPicPr>
+        <p:blipFill rotWithShape="1">
+          <a:blip r:embed="rId6">
+            <a:extLst>
+              <a:ext uri="{28A0092B-C50C-407E-A947-70E740481C1C}">
+                <a14:useLocalDpi xmlns:a14="http://schemas.microsoft.com/office/drawing/2010/main" val="0"/>
+              </a:ext>
+            </a:extLst>
+          </a:blip>
+          <a:srcRect t="16253" r="3" b="12165"/>
+          <a:stretch/>
+        </p:blipFill>
+        <p:spPr bwMode="auto">
+          <a:xfrm>
+            <a:off x="1049191" y="5321964"/>
+            <a:ext cx="1830669" cy="1310484"/>
+          </a:xfrm>
+          <a:prstGeom prst="rect">
+            <a:avLst/>
+          </a:prstGeom>
+          <a:noFill/>
+          <a:extLst>
+            <a:ext uri="{909E8E84-426E-40DD-AFC4-6F175D3DCCD1}">
+              <a14:hiddenFill xmlns:a14="http://schemas.microsoft.com/office/drawing/2010/main">
+                <a:solidFill>
+                  <a:srgbClr val="FFFFFF"/>
+                </a:solidFill>
+              </a14:hiddenFill>
+            </a:ext>
+          </a:extLst>
+        </p:spPr>
+      </p:pic>
+      <p:pic>
+        <p:nvPicPr>
+          <p:cNvPr id="1032" name="Picture 8" descr="Image result for hc06">
+            <a:extLst>
+              <a:ext uri="{FF2B5EF4-FFF2-40B4-BE49-F238E27FC236}">
+                <a16:creationId xmlns:a16="http://schemas.microsoft.com/office/drawing/2014/main" id="{7E50814F-4FA2-4039-973C-983AC7083BDA}"/>
+              </a:ext>
+            </a:extLst>
+          </p:cNvPr>
+          <p:cNvPicPr>
+            <a:picLocks noChangeAspect="1" noChangeArrowheads="1"/>
+          </p:cNvPicPr>
+          <p:nvPr/>
+        </p:nvPicPr>
+        <p:blipFill rotWithShape="1">
+          <a:blip r:embed="rId7">
+            <a:extLst>
+              <a:ext uri="{28A0092B-C50C-407E-A947-70E740481C1C}">
+                <a14:useLocalDpi xmlns:a14="http://schemas.microsoft.com/office/drawing/2010/main" val="0"/>
+              </a:ext>
+            </a:extLst>
+          </a:blip>
+          <a:srcRect t="30755" b="28377"/>
+          <a:stretch/>
+        </p:blipFill>
+        <p:spPr bwMode="auto">
+          <a:xfrm>
+            <a:off x="4456938" y="5063822"/>
+            <a:ext cx="1888998" cy="772006"/>
+          </a:xfrm>
+          <a:prstGeom prst="rect">
+            <a:avLst/>
+          </a:prstGeom>
+          <a:noFill/>
+          <a:extLst>
+            <a:ext uri="{909E8E84-426E-40DD-AFC4-6F175D3DCCD1}">
+              <a14:hiddenFill xmlns:a14="http://schemas.microsoft.com/office/drawing/2010/main">
+                <a:solidFill>
+                  <a:srgbClr val="FFFFFF"/>
+                </a:solidFill>
+              </a14:hiddenFill>
+            </a:ext>
+          </a:extLst>
+        </p:spPr>
+      </p:pic>
+    </p:spTree>
+    <p:extLst>
+      <p:ext uri="{BB962C8B-B14F-4D97-AF65-F5344CB8AC3E}">
+        <p14:creationId xmlns:p14="http://schemas.microsoft.com/office/powerpoint/2010/main" val="3044570398"/>
+      </p:ext>
+    </p:extLst>
+  </p:cSld>
+  <p:clrMapOvr>
+    <a:masterClrMapping/>
+  </p:clrMapOvr>
+</p:sld>
+</file>
+
+<file path=ppt/slides/slide5.xml><?xml version="1.0" encoding="utf-8"?>
+<p:sld xmlns:a="http://schemas.openxmlformats.org/drawingml/2006/main" xmlns:r="http://schemas.openxmlformats.org/officeDocument/2006/relationships" xmlns:p="http://schemas.openxmlformats.org/presentationml/2006/main">
+  <p:cSld>
+    <p:spTree>
+      <p:nvGrpSpPr>
+        <p:cNvPr id="1" name=""/>
+        <p:cNvGrpSpPr/>
+        <p:nvPr/>
+      </p:nvGrpSpPr>
+      <p:grpSpPr>
+        <a:xfrm>
+          <a:off x="0" y="0"/>
+          <a:ext cx="0" cy="0"/>
+          <a:chOff x="0" y="0"/>
+          <a:chExt cx="0" cy="0"/>
+        </a:xfrm>
+      </p:grpSpPr>
+      <p:sp>
+        <p:nvSpPr>
+          <p:cNvPr id="2" name="Title 1">
+            <a:extLst>
+              <a:ext uri="{FF2B5EF4-FFF2-40B4-BE49-F238E27FC236}">
                 <a16:creationId xmlns:a16="http://schemas.microsoft.com/office/drawing/2014/main" id="{9C4F7D3B-DD9F-4DB9-97C1-72412FFD24A7}"/>
               </a:ext>
             </a:extLst>
@@ -6298,7 +6591,428 @@
           <a:bodyPr/>
           <a:lstStyle/>
           <a:p>
-            <a:endParaRPr lang="en-US" dirty="0"/>
+            <a:r>
+              <a:rPr lang="en-US" dirty="0"/>
+              <a:t>Mamma </a:t>
+            </a:r>
+            <a:r>
+              <a:rPr lang="en-US" dirty="0" err="1"/>
+              <a:t>vaknar</a:t>
+            </a:r>
+            <a:r>
+              <a:rPr lang="en-US" dirty="0"/>
+              <a:t> –&gt; </a:t>
+            </a:r>
+            <a:r>
+              <a:rPr lang="en-US" dirty="0" err="1"/>
+              <a:t>Använder</a:t>
+            </a:r>
+            <a:r>
+              <a:rPr lang="en-US" dirty="0"/>
+              <a:t> App: “Bio </a:t>
+            </a:r>
+            <a:r>
+              <a:rPr lang="en-US" dirty="0" err="1"/>
+              <a:t>ikväll</a:t>
+            </a:r>
+            <a:r>
+              <a:rPr lang="en-US" dirty="0"/>
+              <a:t>?” –&gt; </a:t>
+            </a:r>
+            <a:r>
+              <a:rPr lang="en-US" dirty="0" err="1"/>
+              <a:t>åker</a:t>
+            </a:r>
+            <a:r>
+              <a:rPr lang="en-US" dirty="0"/>
+              <a:t> till </a:t>
+            </a:r>
+            <a:r>
+              <a:rPr lang="en-US" dirty="0" err="1"/>
+              <a:t>arbete</a:t>
+            </a:r>
+            <a:endParaRPr lang="en-US" dirty="0"/>
+          </a:p>
+          <a:p>
+            <a:r>
+              <a:rPr lang="en-US" dirty="0"/>
+              <a:t>Tre barn </a:t>
+            </a:r>
+            <a:r>
+              <a:rPr lang="en-US" dirty="0" err="1"/>
+              <a:t>vaknar</a:t>
+            </a:r>
+            <a:r>
+              <a:rPr lang="en-US" dirty="0"/>
+              <a:t> -&gt; </a:t>
+            </a:r>
+            <a:r>
+              <a:rPr lang="en-US" dirty="0" err="1"/>
+              <a:t>ser</a:t>
+            </a:r>
+            <a:r>
+              <a:rPr lang="en-US" dirty="0"/>
+              <a:t> </a:t>
+            </a:r>
+            <a:r>
+              <a:rPr lang="en-US" dirty="0" err="1"/>
+              <a:t>fråga</a:t>
+            </a:r>
+            <a:r>
+              <a:rPr lang="en-US" dirty="0"/>
+              <a:t> -&gt; </a:t>
+            </a:r>
+            <a:r>
+              <a:rPr lang="en-US" dirty="0" err="1"/>
+              <a:t>röstar</a:t>
+            </a:r>
+            <a:r>
+              <a:rPr lang="en-US" dirty="0"/>
+              <a:t> med </a:t>
+            </a:r>
+            <a:r>
+              <a:rPr lang="en-US" dirty="0" err="1"/>
+              <a:t>knappar</a:t>
+            </a:r>
+            <a:endParaRPr lang="en-US" dirty="0"/>
+          </a:p>
+          <a:p>
+            <a:r>
+              <a:rPr lang="en-US" dirty="0"/>
+              <a:t>Mamma </a:t>
+            </a:r>
+            <a:r>
+              <a:rPr lang="en-US" dirty="0" err="1"/>
+              <a:t>på</a:t>
+            </a:r>
+            <a:r>
+              <a:rPr lang="en-US" dirty="0"/>
+              <a:t> </a:t>
+            </a:r>
+            <a:r>
+              <a:rPr lang="en-US" dirty="0" err="1"/>
+              <a:t>arbete</a:t>
+            </a:r>
+            <a:r>
+              <a:rPr lang="en-US" dirty="0"/>
+              <a:t> -&gt; </a:t>
+            </a:r>
+            <a:r>
+              <a:rPr lang="en-US" dirty="0" err="1"/>
+              <a:t>Loggar</a:t>
+            </a:r>
+            <a:r>
+              <a:rPr lang="en-US" dirty="0"/>
+              <a:t> in via Web -&gt; </a:t>
+            </a:r>
+            <a:r>
+              <a:rPr lang="en-US" dirty="0" err="1"/>
+              <a:t>beställer</a:t>
+            </a:r>
+            <a:r>
+              <a:rPr lang="en-US" dirty="0"/>
+              <a:t> </a:t>
+            </a:r>
+            <a:r>
+              <a:rPr lang="en-US" dirty="0" err="1"/>
+              <a:t>rätt</a:t>
+            </a:r>
+            <a:r>
+              <a:rPr lang="en-US" dirty="0"/>
+              <a:t> </a:t>
+            </a:r>
+            <a:r>
+              <a:rPr lang="en-US" dirty="0" err="1"/>
+              <a:t>antal</a:t>
+            </a:r>
+            <a:r>
+              <a:rPr lang="en-US" dirty="0"/>
+              <a:t> </a:t>
+            </a:r>
+            <a:r>
+              <a:rPr lang="en-US" dirty="0" err="1"/>
+              <a:t>biobiljetter</a:t>
+            </a:r>
+            <a:endParaRPr lang="en-US" dirty="0"/>
+          </a:p>
+          <a:p>
+            <a:endParaRPr lang="en-US" dirty="0"/>
+          </a:p>
+        </p:txBody>
+      </p:sp>
+      <p:sp>
+        <p:nvSpPr>
+          <p:cNvPr id="4" name="Arrow: Right 3">
+            <a:extLst>
+              <a:ext uri="{FF2B5EF4-FFF2-40B4-BE49-F238E27FC236}">
+                <a16:creationId xmlns:a16="http://schemas.microsoft.com/office/drawing/2014/main" id="{4350329C-16F2-4081-A2D4-D7A6A499B3DF}"/>
+              </a:ext>
+            </a:extLst>
+          </p:cNvPr>
+          <p:cNvSpPr/>
+          <p:nvPr/>
+        </p:nvSpPr>
+        <p:spPr>
+          <a:xfrm>
+            <a:off x="2712720" y="2218944"/>
+            <a:ext cx="225552" cy="280416"/>
+          </a:xfrm>
+          <a:prstGeom prst="rightArrow">
+            <a:avLst/>
+          </a:prstGeom>
+        </p:spPr>
+        <p:style>
+          <a:lnRef idx="2">
+            <a:schemeClr val="accent1">
+              <a:shade val="50000"/>
+            </a:schemeClr>
+          </a:lnRef>
+          <a:fillRef idx="1">
+            <a:schemeClr val="accent1"/>
+          </a:fillRef>
+          <a:effectRef idx="0">
+            <a:schemeClr val="accent1"/>
+          </a:effectRef>
+          <a:fontRef idx="minor">
+            <a:schemeClr val="lt1"/>
+          </a:fontRef>
+        </p:style>
+        <p:txBody>
+          <a:bodyPr rtlCol="0" anchor="ctr"/>
+          <a:lstStyle/>
+          <a:p>
+            <a:pPr algn="ctr"/>
+            <a:endParaRPr lang="sv-SE"/>
+          </a:p>
+        </p:txBody>
+      </p:sp>
+      <p:sp>
+        <p:nvSpPr>
+          <p:cNvPr id="5" name="Arrow: Right 4">
+            <a:extLst>
+              <a:ext uri="{FF2B5EF4-FFF2-40B4-BE49-F238E27FC236}">
+                <a16:creationId xmlns:a16="http://schemas.microsoft.com/office/drawing/2014/main" id="{AD4C02E4-C500-4918-B4FC-501DD899B6BC}"/>
+              </a:ext>
+            </a:extLst>
+          </p:cNvPr>
+          <p:cNvSpPr/>
+          <p:nvPr/>
+        </p:nvSpPr>
+        <p:spPr>
+          <a:xfrm>
+            <a:off x="5833872" y="2218944"/>
+            <a:ext cx="225552" cy="280416"/>
+          </a:xfrm>
+          <a:prstGeom prst="rightArrow">
+            <a:avLst/>
+          </a:prstGeom>
+        </p:spPr>
+        <p:style>
+          <a:lnRef idx="2">
+            <a:schemeClr val="accent1">
+              <a:shade val="50000"/>
+            </a:schemeClr>
+          </a:lnRef>
+          <a:fillRef idx="1">
+            <a:schemeClr val="accent1"/>
+          </a:fillRef>
+          <a:effectRef idx="0">
+            <a:schemeClr val="accent1"/>
+          </a:effectRef>
+          <a:fontRef idx="minor">
+            <a:schemeClr val="lt1"/>
+          </a:fontRef>
+        </p:style>
+        <p:txBody>
+          <a:bodyPr rtlCol="0" anchor="ctr"/>
+          <a:lstStyle/>
+          <a:p>
+            <a:pPr algn="ctr"/>
+            <a:endParaRPr lang="sv-SE"/>
+          </a:p>
+        </p:txBody>
+      </p:sp>
+      <p:sp>
+        <p:nvSpPr>
+          <p:cNvPr id="6" name="Arrow: Right 5">
+            <a:extLst>
+              <a:ext uri="{FF2B5EF4-FFF2-40B4-BE49-F238E27FC236}">
+                <a16:creationId xmlns:a16="http://schemas.microsoft.com/office/drawing/2014/main" id="{30471252-3489-41A5-8A65-D779206BBE1B}"/>
+              </a:ext>
+            </a:extLst>
+          </p:cNvPr>
+          <p:cNvSpPr/>
+          <p:nvPr/>
+        </p:nvSpPr>
+        <p:spPr>
+          <a:xfrm>
+            <a:off x="2770632" y="2633472"/>
+            <a:ext cx="225552" cy="280416"/>
+          </a:xfrm>
+          <a:prstGeom prst="rightArrow">
+            <a:avLst/>
+          </a:prstGeom>
+        </p:spPr>
+        <p:style>
+          <a:lnRef idx="2">
+            <a:schemeClr val="accent1">
+              <a:shade val="50000"/>
+            </a:schemeClr>
+          </a:lnRef>
+          <a:fillRef idx="1">
+            <a:schemeClr val="accent1"/>
+          </a:fillRef>
+          <a:effectRef idx="0">
+            <a:schemeClr val="accent1"/>
+          </a:effectRef>
+          <a:fontRef idx="minor">
+            <a:schemeClr val="lt1"/>
+          </a:fontRef>
+        </p:style>
+        <p:txBody>
+          <a:bodyPr rtlCol="0" anchor="ctr"/>
+          <a:lstStyle/>
+          <a:p>
+            <a:pPr algn="ctr"/>
+            <a:endParaRPr lang="sv-SE"/>
+          </a:p>
+        </p:txBody>
+      </p:sp>
+      <p:sp>
+        <p:nvSpPr>
+          <p:cNvPr id="7" name="Arrow: Right 6">
+            <a:extLst>
+              <a:ext uri="{FF2B5EF4-FFF2-40B4-BE49-F238E27FC236}">
+                <a16:creationId xmlns:a16="http://schemas.microsoft.com/office/drawing/2014/main" id="{CF1E41B1-BC1B-47D7-B4E4-DC69A010250A}"/>
+              </a:ext>
+            </a:extLst>
+          </p:cNvPr>
+          <p:cNvSpPr/>
+          <p:nvPr/>
+        </p:nvSpPr>
+        <p:spPr>
+          <a:xfrm>
+            <a:off x="4026408" y="2615184"/>
+            <a:ext cx="225552" cy="280416"/>
+          </a:xfrm>
+          <a:prstGeom prst="rightArrow">
+            <a:avLst/>
+          </a:prstGeom>
+        </p:spPr>
+        <p:style>
+          <a:lnRef idx="2">
+            <a:schemeClr val="accent1">
+              <a:shade val="50000"/>
+            </a:schemeClr>
+          </a:lnRef>
+          <a:fillRef idx="1">
+            <a:schemeClr val="accent1"/>
+          </a:fillRef>
+          <a:effectRef idx="0">
+            <a:schemeClr val="accent1"/>
+          </a:effectRef>
+          <a:fontRef idx="minor">
+            <a:schemeClr val="lt1"/>
+          </a:fontRef>
+        </p:style>
+        <p:txBody>
+          <a:bodyPr rtlCol="0" anchor="ctr"/>
+          <a:lstStyle/>
+          <a:p>
+            <a:pPr algn="ctr"/>
+            <a:endParaRPr lang="sv-SE"/>
+          </a:p>
+        </p:txBody>
+      </p:sp>
+      <p:sp>
+        <p:nvSpPr>
+          <p:cNvPr id="8" name="Arrow: Right 7">
+            <a:extLst>
+              <a:ext uri="{FF2B5EF4-FFF2-40B4-BE49-F238E27FC236}">
+                <a16:creationId xmlns:a16="http://schemas.microsoft.com/office/drawing/2014/main" id="{16616107-A0A0-435F-AC55-1FE2D3AFE748}"/>
+              </a:ext>
+            </a:extLst>
+          </p:cNvPr>
+          <p:cNvSpPr/>
+          <p:nvPr/>
+        </p:nvSpPr>
+        <p:spPr>
+          <a:xfrm>
+            <a:off x="3002280" y="3003869"/>
+            <a:ext cx="225552" cy="280416"/>
+          </a:xfrm>
+          <a:prstGeom prst="rightArrow">
+            <a:avLst/>
+          </a:prstGeom>
+        </p:spPr>
+        <p:style>
+          <a:lnRef idx="2">
+            <a:schemeClr val="accent1">
+              <a:shade val="50000"/>
+            </a:schemeClr>
+          </a:lnRef>
+          <a:fillRef idx="1">
+            <a:schemeClr val="accent1"/>
+          </a:fillRef>
+          <a:effectRef idx="0">
+            <a:schemeClr val="accent1"/>
+          </a:effectRef>
+          <a:fontRef idx="minor">
+            <a:schemeClr val="lt1"/>
+          </a:fontRef>
+        </p:style>
+        <p:txBody>
+          <a:bodyPr rtlCol="0" anchor="ctr"/>
+          <a:lstStyle/>
+          <a:p>
+            <a:pPr algn="ctr"/>
+            <a:endParaRPr lang="sv-SE"/>
+          </a:p>
+        </p:txBody>
+      </p:sp>
+      <p:sp>
+        <p:nvSpPr>
+          <p:cNvPr id="9" name="Arrow: Right 8">
+            <a:extLst>
+              <a:ext uri="{FF2B5EF4-FFF2-40B4-BE49-F238E27FC236}">
+                <a16:creationId xmlns:a16="http://schemas.microsoft.com/office/drawing/2014/main" id="{ED101C5E-CA6B-4CDE-89B3-51393A4A01BC}"/>
+              </a:ext>
+            </a:extLst>
+          </p:cNvPr>
+          <p:cNvSpPr/>
+          <p:nvPr/>
+        </p:nvSpPr>
+        <p:spPr>
+          <a:xfrm>
+            <a:off x="5166360" y="3003869"/>
+            <a:ext cx="225552" cy="280416"/>
+          </a:xfrm>
+          <a:prstGeom prst="rightArrow">
+            <a:avLst/>
+          </a:prstGeom>
+        </p:spPr>
+        <p:style>
+          <a:lnRef idx="2">
+            <a:schemeClr val="accent1">
+              <a:shade val="50000"/>
+            </a:schemeClr>
+          </a:lnRef>
+          <a:fillRef idx="1">
+            <a:schemeClr val="accent1"/>
+          </a:fillRef>
+          <a:effectRef idx="0">
+            <a:schemeClr val="accent1"/>
+          </a:effectRef>
+          <a:fontRef idx="minor">
+            <a:schemeClr val="lt1"/>
+          </a:fontRef>
+        </p:style>
+        <p:txBody>
+          <a:bodyPr rtlCol="0" anchor="ctr"/>
+          <a:lstStyle/>
+          <a:p>
+            <a:pPr algn="ctr"/>
+            <a:endParaRPr lang="sv-SE"/>
           </a:p>
         </p:txBody>
       </p:sp>
@@ -6315,7 +7029,254 @@
 </p:sld>
 </file>
 
-<file path=ppt/slides/slide5.xml><?xml version="1.0" encoding="utf-8"?>
+<file path=ppt/slides/slide6.xml><?xml version="1.0" encoding="utf-8"?>
+<p:sld xmlns:a="http://schemas.openxmlformats.org/drawingml/2006/main" xmlns:r="http://schemas.openxmlformats.org/officeDocument/2006/relationships" xmlns:p="http://schemas.openxmlformats.org/presentationml/2006/main">
+  <p:cSld>
+    <p:spTree>
+      <p:nvGrpSpPr>
+        <p:cNvPr id="1" name=""/>
+        <p:cNvGrpSpPr/>
+        <p:nvPr/>
+      </p:nvGrpSpPr>
+      <p:grpSpPr>
+        <a:xfrm>
+          <a:off x="0" y="0"/>
+          <a:ext cx="0" cy="0"/>
+          <a:chOff x="0" y="0"/>
+          <a:chExt cx="0" cy="0"/>
+        </a:xfrm>
+      </p:grpSpPr>
+      <p:pic>
+        <p:nvPicPr>
+          <p:cNvPr id="4" name="Picture 3">
+            <a:extLst>
+              <a:ext uri="{FF2B5EF4-FFF2-40B4-BE49-F238E27FC236}">
+                <a16:creationId xmlns:a16="http://schemas.microsoft.com/office/drawing/2014/main" id="{5CEA236B-D819-4FF0-9065-668B8ADF1AB5}"/>
+              </a:ext>
+            </a:extLst>
+          </p:cNvPr>
+          <p:cNvPicPr>
+            <a:picLocks noChangeAspect="1"/>
+          </p:cNvPicPr>
+          <p:nvPr/>
+        </p:nvPicPr>
+        <p:blipFill>
+          <a:blip r:embed="rId2"/>
+          <a:stretch>
+            <a:fillRect/>
+          </a:stretch>
+        </p:blipFill>
+        <p:spPr>
+          <a:xfrm>
+            <a:off x="817474" y="2159331"/>
+            <a:ext cx="5283289" cy="3632261"/>
+          </a:xfrm>
+          <a:prstGeom prst="rect">
+            <a:avLst/>
+          </a:prstGeom>
+        </p:spPr>
+      </p:pic>
+      <p:sp>
+        <p:nvSpPr>
+          <p:cNvPr id="2" name="Title 1">
+            <a:extLst>
+              <a:ext uri="{FF2B5EF4-FFF2-40B4-BE49-F238E27FC236}">
+                <a16:creationId xmlns:a16="http://schemas.microsoft.com/office/drawing/2014/main" id="{D9A2175E-ABE0-4425-ACE9-36FCA6C5BE31}"/>
+              </a:ext>
+            </a:extLst>
+          </p:cNvPr>
+          <p:cNvSpPr>
+            <a:spLocks noGrp="1"/>
+          </p:cNvSpPr>
+          <p:nvPr>
+            <p:ph type="title"/>
+          </p:nvPr>
+        </p:nvSpPr>
+        <p:spPr>
+          <a:xfrm>
+            <a:off x="677334" y="609600"/>
+            <a:ext cx="8596668" cy="1320800"/>
+          </a:xfrm>
+        </p:spPr>
+        <p:txBody>
+          <a:bodyPr anchor="t">
+            <a:normAutofit/>
+          </a:bodyPr>
+          <a:lstStyle/>
+          <a:p>
+            <a:r>
+              <a:rPr lang="sv-SE" dirty="0"/>
+              <a:t>Kod</a:t>
+            </a:r>
+          </a:p>
+        </p:txBody>
+      </p:sp>
+      <p:sp>
+        <p:nvSpPr>
+          <p:cNvPr id="3" name="Content Placeholder 2">
+            <a:extLst>
+              <a:ext uri="{FF2B5EF4-FFF2-40B4-BE49-F238E27FC236}">
+                <a16:creationId xmlns:a16="http://schemas.microsoft.com/office/drawing/2014/main" id="{9D0695BF-E31A-45BC-9602-3977CC1D67D4}"/>
+              </a:ext>
+            </a:extLst>
+          </p:cNvPr>
+          <p:cNvSpPr>
+            <a:spLocks noGrp="1"/>
+          </p:cNvSpPr>
+          <p:nvPr>
+            <p:ph idx="1"/>
+          </p:nvPr>
+        </p:nvSpPr>
+        <p:spPr>
+          <a:xfrm>
+            <a:off x="6416039" y="2160589"/>
+            <a:ext cx="2927185" cy="3880773"/>
+          </a:xfrm>
+        </p:spPr>
+        <p:txBody>
+          <a:bodyPr>
+            <a:normAutofit/>
+          </a:bodyPr>
+          <a:lstStyle/>
+          <a:p>
+            <a:r>
+              <a:rPr lang="sv-SE" sz="1500" dirty="0"/>
+              <a:t>Arduino C++</a:t>
+            </a:r>
+          </a:p>
+          <a:p>
+            <a:r>
+              <a:rPr lang="sv-SE" sz="1500" dirty="0"/>
+              <a:t>C#</a:t>
+            </a:r>
+          </a:p>
+          <a:p>
+            <a:r>
+              <a:rPr lang="sv-SE" sz="1500" dirty="0"/>
+              <a:t>PHP ?</a:t>
+            </a:r>
+          </a:p>
+          <a:p>
+            <a:r>
+              <a:rPr lang="sv-SE" sz="1500" dirty="0" err="1"/>
+              <a:t>Interrupts</a:t>
+            </a:r>
+            <a:endParaRPr lang="sv-SE" sz="1500" dirty="0"/>
+          </a:p>
+          <a:p>
+            <a:r>
+              <a:rPr lang="sv-SE" sz="1500" dirty="0"/>
+              <a:t>Git</a:t>
+            </a:r>
+          </a:p>
+        </p:txBody>
+      </p:sp>
+    </p:spTree>
+    <p:extLst>
+      <p:ext uri="{BB962C8B-B14F-4D97-AF65-F5344CB8AC3E}">
+        <p14:creationId xmlns:p14="http://schemas.microsoft.com/office/powerpoint/2010/main" val="2846519019"/>
+      </p:ext>
+    </p:extLst>
+  </p:cSld>
+  <p:clrMapOvr>
+    <a:masterClrMapping/>
+  </p:clrMapOvr>
+</p:sld>
+</file>
+
+<file path=ppt/slides/slide7.xml><?xml version="1.0" encoding="utf-8"?>
+<p:sld xmlns:a="http://schemas.openxmlformats.org/drawingml/2006/main" xmlns:r="http://schemas.openxmlformats.org/officeDocument/2006/relationships" xmlns:p="http://schemas.openxmlformats.org/presentationml/2006/main">
+  <p:cSld>
+    <p:spTree>
+      <p:nvGrpSpPr>
+        <p:cNvPr id="1" name=""/>
+        <p:cNvGrpSpPr/>
+        <p:nvPr/>
+      </p:nvGrpSpPr>
+      <p:grpSpPr>
+        <a:xfrm>
+          <a:off x="0" y="0"/>
+          <a:ext cx="0" cy="0"/>
+          <a:chOff x="0" y="0"/>
+          <a:chExt cx="0" cy="0"/>
+        </a:xfrm>
+      </p:grpSpPr>
+      <p:sp>
+        <p:nvSpPr>
+          <p:cNvPr id="2" name="Title 1">
+            <a:extLst>
+              <a:ext uri="{FF2B5EF4-FFF2-40B4-BE49-F238E27FC236}">
+                <a16:creationId xmlns:a16="http://schemas.microsoft.com/office/drawing/2014/main" id="{D9A2175E-ABE0-4425-ACE9-36FCA6C5BE31}"/>
+              </a:ext>
+            </a:extLst>
+          </p:cNvPr>
+          <p:cNvSpPr>
+            <a:spLocks noGrp="1"/>
+          </p:cNvSpPr>
+          <p:nvPr>
+            <p:ph type="title"/>
+          </p:nvPr>
+        </p:nvSpPr>
+        <p:spPr/>
+        <p:txBody>
+          <a:bodyPr/>
+          <a:lstStyle/>
+          <a:p>
+            <a:r>
+              <a:rPr lang="sv-SE" dirty="0"/>
+              <a:t>Påbyggnad</a:t>
+            </a:r>
+          </a:p>
+        </p:txBody>
+      </p:sp>
+      <p:sp>
+        <p:nvSpPr>
+          <p:cNvPr id="3" name="Content Placeholder 2">
+            <a:extLst>
+              <a:ext uri="{FF2B5EF4-FFF2-40B4-BE49-F238E27FC236}">
+                <a16:creationId xmlns:a16="http://schemas.microsoft.com/office/drawing/2014/main" id="{9D0695BF-E31A-45BC-9602-3977CC1D67D4}"/>
+              </a:ext>
+            </a:extLst>
+          </p:cNvPr>
+          <p:cNvSpPr>
+            <a:spLocks noGrp="1"/>
+          </p:cNvSpPr>
+          <p:nvPr>
+            <p:ph idx="1"/>
+          </p:nvPr>
+        </p:nvSpPr>
+        <p:spPr/>
+        <p:txBody>
+          <a:bodyPr/>
+          <a:lstStyle/>
+          <a:p>
+            <a:r>
+              <a:rPr lang="sv-SE" dirty="0"/>
+              <a:t>Historik, databas?</a:t>
+            </a:r>
+          </a:p>
+          <a:p>
+            <a:r>
+              <a:rPr lang="sv-SE" dirty="0"/>
+              <a:t>Rösta via web</a:t>
+            </a:r>
+          </a:p>
+        </p:txBody>
+      </p:sp>
+    </p:spTree>
+    <p:extLst>
+      <p:ext uri="{BB962C8B-B14F-4D97-AF65-F5344CB8AC3E}">
+        <p14:creationId xmlns:p14="http://schemas.microsoft.com/office/powerpoint/2010/main" val="263562909"/>
+      </p:ext>
+    </p:extLst>
+  </p:cSld>
+  <p:clrMapOvr>
+    <a:masterClrMapping/>
+  </p:clrMapOvr>
+</p:sld>
+</file>
+
+<file path=ppt/slides/slide8.xml><?xml version="1.0" encoding="utf-8"?>
 <p:sld xmlns:a="http://schemas.openxmlformats.org/drawingml/2006/main" xmlns:r="http://schemas.openxmlformats.org/officeDocument/2006/relationships" xmlns:p="http://schemas.openxmlformats.org/presentationml/2006/main">
   <p:cSld>
     <p:spTree>

--- a/Documentation/presentation/voteMachine.pptx
+++ b/Documentation/presentation/voteMachine.pptx
@@ -10,9 +10,10 @@
     <p:sldId id="257" r:id="rId4"/>
     <p:sldId id="263" r:id="rId5"/>
     <p:sldId id="258" r:id="rId6"/>
-    <p:sldId id="261" r:id="rId7"/>
-    <p:sldId id="262" r:id="rId8"/>
-    <p:sldId id="260" r:id="rId9"/>
+    <p:sldId id="265" r:id="rId7"/>
+    <p:sldId id="261" r:id="rId8"/>
+    <p:sldId id="262" r:id="rId9"/>
+    <p:sldId id="260" r:id="rId10"/>
   </p:sldIdLst>
   <p:sldSz cx="12192000" cy="6858000"/>
   <p:notesSz cx="6858000" cy="9144000"/>
@@ -850,7 +851,7 @@
             <a:fld id="{B61BEF0D-F0BB-DE4B-95CE-6DB70DBA9567}" type="datetimeFigureOut">
               <a:rPr lang="en-US" dirty="0"/>
               <a:pPr/>
-              <a:t>9/24/2017</a:t>
+              <a:t>9/25/2017</a:t>
             </a:fld>
             <a:endParaRPr lang="en-US" dirty="0"/>
           </a:p>
@@ -1098,7 +1099,7 @@
             <a:fld id="{B61BEF0D-F0BB-DE4B-95CE-6DB70DBA9567}" type="datetimeFigureOut">
               <a:rPr lang="en-US" dirty="0"/>
               <a:pPr/>
-              <a:t>9/24/2017</a:t>
+              <a:t>9/25/2017</a:t>
             </a:fld>
             <a:endParaRPr lang="en-US" dirty="0"/>
           </a:p>
@@ -1409,7 +1410,7 @@
             <a:fld id="{B61BEF0D-F0BB-DE4B-95CE-6DB70DBA9567}" type="datetimeFigureOut">
               <a:rPr lang="en-US" dirty="0"/>
               <a:pPr/>
-              <a:t>9/24/2017</a:t>
+              <a:t>9/25/2017</a:t>
             </a:fld>
             <a:endParaRPr lang="en-US" dirty="0"/>
           </a:p>
@@ -1733,7 +1734,7 @@
             <a:fld id="{B61BEF0D-F0BB-DE4B-95CE-6DB70DBA9567}" type="datetimeFigureOut">
               <a:rPr lang="en-US" dirty="0"/>
               <a:pPr/>
-              <a:t>9/24/2017</a:t>
+              <a:t>9/25/2017</a:t>
             </a:fld>
             <a:endParaRPr lang="en-US" dirty="0"/>
           </a:p>
@@ -2044,7 +2045,7 @@
             <a:fld id="{B61BEF0D-F0BB-DE4B-95CE-6DB70DBA9567}" type="datetimeFigureOut">
               <a:rPr lang="en-US" dirty="0"/>
               <a:pPr/>
-              <a:t>9/24/2017</a:t>
+              <a:t>9/25/2017</a:t>
             </a:fld>
             <a:endParaRPr lang="en-US" dirty="0"/>
           </a:p>
@@ -2428,7 +2429,7 @@
             <a:fld id="{B61BEF0D-F0BB-DE4B-95CE-6DB70DBA9567}" type="datetimeFigureOut">
               <a:rPr lang="en-US" dirty="0"/>
               <a:pPr/>
-              <a:t>9/24/2017</a:t>
+              <a:t>9/25/2017</a:t>
             </a:fld>
             <a:endParaRPr lang="en-US" dirty="0"/>
           </a:p>
@@ -2594,7 +2595,7 @@
           <a:p>
             <a:fld id="{55C6B4A9-1611-4792-9094-5F34BCA07E0B}" type="datetimeFigureOut">
               <a:rPr lang="en-US" dirty="0"/>
-              <a:t>9/24/2017</a:t>
+              <a:t>9/25/2017</a:t>
             </a:fld>
             <a:endParaRPr lang="en-US" dirty="0"/>
           </a:p>
@@ -2770,7 +2771,7 @@
             <a:fld id="{B61BEF0D-F0BB-DE4B-95CE-6DB70DBA9567}" type="datetimeFigureOut">
               <a:rPr lang="en-US" dirty="0"/>
               <a:pPr/>
-              <a:t>9/24/2017</a:t>
+              <a:t>9/25/2017</a:t>
             </a:fld>
             <a:endParaRPr lang="en-US" dirty="0"/>
           </a:p>
@@ -2936,7 +2937,7 @@
           <a:p>
             <a:fld id="{42A54C80-263E-416B-A8E0-580EDEADCBDC}" type="datetimeFigureOut">
               <a:rPr lang="en-US" dirty="0"/>
-              <a:t>9/24/2017</a:t>
+              <a:t>9/25/2017</a:t>
             </a:fld>
             <a:endParaRPr lang="en-US" dirty="0"/>
           </a:p>
@@ -3179,7 +3180,7 @@
             <a:fld id="{B61BEF0D-F0BB-DE4B-95CE-6DB70DBA9567}" type="datetimeFigureOut">
               <a:rPr lang="en-US" dirty="0"/>
               <a:pPr/>
-              <a:t>9/24/2017</a:t>
+              <a:t>9/25/2017</a:t>
             </a:fld>
             <a:endParaRPr lang="en-US" dirty="0"/>
           </a:p>
@@ -3407,7 +3408,7 @@
           <a:p>
             <a:fld id="{42A54C80-263E-416B-A8E0-580EDEADCBDC}" type="datetimeFigureOut">
               <a:rPr lang="en-US" dirty="0"/>
-              <a:t>9/24/2017</a:t>
+              <a:t>9/25/2017</a:t>
             </a:fld>
             <a:endParaRPr lang="en-US" dirty="0"/>
           </a:p>
@@ -3777,7 +3778,7 @@
             <a:fld id="{B61BEF0D-F0BB-DE4B-95CE-6DB70DBA9567}" type="datetimeFigureOut">
               <a:rPr lang="en-US" dirty="0"/>
               <a:pPr/>
-              <a:t>9/24/2017</a:t>
+              <a:t>9/25/2017</a:t>
             </a:fld>
             <a:endParaRPr lang="en-US" dirty="0"/>
           </a:p>
@@ -3897,7 +3898,7 @@
             <a:fld id="{B61BEF0D-F0BB-DE4B-95CE-6DB70DBA9567}" type="datetimeFigureOut">
               <a:rPr lang="en-US" dirty="0"/>
               <a:pPr/>
-              <a:t>9/24/2017</a:t>
+              <a:t>9/25/2017</a:t>
             </a:fld>
             <a:endParaRPr lang="en-US" dirty="0"/>
           </a:p>
@@ -3989,7 +3990,7 @@
             <a:fld id="{B61BEF0D-F0BB-DE4B-95CE-6DB70DBA9567}" type="datetimeFigureOut">
               <a:rPr lang="en-US" dirty="0"/>
               <a:pPr/>
-              <a:t>9/24/2017</a:t>
+              <a:t>9/25/2017</a:t>
             </a:fld>
             <a:endParaRPr lang="en-US" dirty="0"/>
           </a:p>
@@ -4240,7 +4241,7 @@
           <a:p>
             <a:fld id="{42A54C80-263E-416B-A8E0-580EDEADCBDC}" type="datetimeFigureOut">
               <a:rPr lang="en-US" dirty="0"/>
-              <a:t>9/24/2017</a:t>
+              <a:t>9/25/2017</a:t>
             </a:fld>
             <a:endParaRPr lang="en-US" dirty="0"/>
           </a:p>
@@ -4499,7 +4500,7 @@
             <a:fld id="{B61BEF0D-F0BB-DE4B-95CE-6DB70DBA9567}" type="datetimeFigureOut">
               <a:rPr lang="en-US" dirty="0"/>
               <a:pPr/>
-              <a:t>9/24/2017</a:t>
+              <a:t>9/25/2017</a:t>
             </a:fld>
             <a:endParaRPr lang="en-US" dirty="0"/>
           </a:p>
@@ -5241,7 +5242,7 @@
             <a:fld id="{B61BEF0D-F0BB-DE4B-95CE-6DB70DBA9567}" type="datetimeFigureOut">
               <a:rPr lang="en-US" dirty="0"/>
               <a:pPr/>
-              <a:t>9/24/2017</a:t>
+              <a:t>9/25/2017</a:t>
             </a:fld>
             <a:endParaRPr lang="en-US" dirty="0"/>
           </a:p>
@@ -5968,7 +5969,7 @@
             </a:r>
             <a:r>
               <a:rPr lang="en-US" dirty="0"/>
-              <a:t> / display-text via App</a:t>
+              <a:t> till display via App</a:t>
             </a:r>
           </a:p>
           <a:p>
@@ -5982,7 +5983,7 @@
             </a:r>
             <a:r>
               <a:rPr lang="en-US" dirty="0" err="1"/>
-              <a:t>knappar</a:t>
+              <a:t>två</a:t>
             </a:r>
             <a:r>
               <a:rPr lang="en-US" dirty="0"/>
@@ -5990,7 +5991,7 @@
             </a:r>
             <a:r>
               <a:rPr lang="en-US" dirty="0" err="1"/>
-              <a:t>på</a:t>
+              <a:t>knappar</a:t>
             </a:r>
             <a:r>
               <a:rPr lang="en-US" dirty="0"/>
@@ -5998,6 +5999,14 @@
             </a:r>
             <a:r>
               <a:rPr lang="en-US" dirty="0" err="1"/>
+              <a:t>på</a:t>
+            </a:r>
+            <a:r>
+              <a:rPr lang="en-US" dirty="0"/>
+              <a:t> </a:t>
+            </a:r>
+            <a:r>
+              <a:rPr lang="en-US" dirty="0" err="1"/>
               <a:t>maskinen</a:t>
             </a:r>
             <a:endParaRPr lang="en-US" dirty="0"/>
@@ -6045,7 +6054,15 @@
             </a:r>
             <a:r>
               <a:rPr lang="en-US" dirty="0"/>
-              <a:t> web</a:t>
+              <a:t> web </a:t>
+            </a:r>
+            <a:r>
+              <a:rPr lang="en-US" dirty="0" err="1"/>
+              <a:t>och</a:t>
+            </a:r>
+            <a:r>
+              <a:rPr lang="en-US" dirty="0"/>
+              <a:t> display</a:t>
             </a:r>
           </a:p>
         </p:txBody>
@@ -6586,7 +6603,12 @@
             <p:ph idx="1"/>
           </p:nvPr>
         </p:nvSpPr>
-        <p:spPr/>
+        <p:spPr>
+          <a:xfrm>
+            <a:off x="677334" y="1359779"/>
+            <a:ext cx="8596668" cy="3880773"/>
+          </a:xfrm>
+        </p:spPr>
         <p:txBody>
           <a:bodyPr/>
           <a:lstStyle/>
@@ -6636,7 +6658,7 @@
           <a:p>
             <a:r>
               <a:rPr lang="en-US" dirty="0"/>
-              <a:t>Tre barn </a:t>
+              <a:t>Barn </a:t>
             </a:r>
             <a:r>
               <a:rPr lang="en-US" dirty="0" err="1"/>
@@ -6754,7 +6776,7 @@
         </p:nvSpPr>
         <p:spPr>
           <a:xfrm>
-            <a:off x="2712720" y="2218944"/>
+            <a:off x="2712720" y="1418134"/>
             <a:ext cx="225552" cy="280416"/>
           </a:xfrm>
           <a:prstGeom prst="rightArrow">
@@ -6800,7 +6822,7 @@
         </p:nvSpPr>
         <p:spPr>
           <a:xfrm>
-            <a:off x="5833872" y="2218944"/>
+            <a:off x="5833872" y="1418134"/>
             <a:ext cx="225552" cy="280416"/>
           </a:xfrm>
           <a:prstGeom prst="rightArrow">
@@ -6846,7 +6868,7 @@
         </p:nvSpPr>
         <p:spPr>
           <a:xfrm>
-            <a:off x="2770632" y="2633472"/>
+            <a:off x="2390105" y="1814374"/>
             <a:ext cx="225552" cy="280416"/>
           </a:xfrm>
           <a:prstGeom prst="rightArrow">
@@ -6892,7 +6914,7 @@
         </p:nvSpPr>
         <p:spPr>
           <a:xfrm>
-            <a:off x="4026408" y="2615184"/>
+            <a:off x="3640202" y="1832583"/>
             <a:ext cx="225552" cy="280416"/>
           </a:xfrm>
           <a:prstGeom prst="rightArrow">
@@ -6938,7 +6960,7 @@
         </p:nvSpPr>
         <p:spPr>
           <a:xfrm>
-            <a:off x="3002280" y="3003869"/>
+            <a:off x="3002280" y="2203059"/>
             <a:ext cx="225552" cy="280416"/>
           </a:xfrm>
           <a:prstGeom prst="rightArrow">
@@ -6984,7 +7006,7 @@
         </p:nvSpPr>
         <p:spPr>
           <a:xfrm>
-            <a:off x="5166360" y="3003869"/>
+            <a:off x="5166360" y="2203059"/>
             <a:ext cx="225552" cy="280416"/>
           </a:xfrm>
           <a:prstGeom prst="rightArrow">
@@ -7016,6 +7038,72 @@
           </a:p>
         </p:txBody>
       </p:sp>
+      <p:pic>
+        <p:nvPicPr>
+          <p:cNvPr id="11" name="Picture 10">
+            <a:extLst>
+              <a:ext uri="{FF2B5EF4-FFF2-40B4-BE49-F238E27FC236}">
+                <a16:creationId xmlns:a16="http://schemas.microsoft.com/office/drawing/2014/main" id="{81A90D3C-B5CF-4194-85CE-E1C0BBFA2C95}"/>
+              </a:ext>
+            </a:extLst>
+          </p:cNvPr>
+          <p:cNvPicPr>
+            <a:picLocks noChangeAspect="1"/>
+          </p:cNvPicPr>
+          <p:nvPr/>
+        </p:nvPicPr>
+        <p:blipFill>
+          <a:blip r:embed="rId2"/>
+          <a:stretch>
+            <a:fillRect/>
+          </a:stretch>
+        </p:blipFill>
+        <p:spPr>
+          <a:xfrm>
+            <a:off x="787107" y="2756134"/>
+            <a:ext cx="4540267" cy="3804232"/>
+          </a:xfrm>
+          <a:prstGeom prst="rect">
+            <a:avLst/>
+          </a:prstGeom>
+        </p:spPr>
+      </p:pic>
+      <p:pic>
+        <p:nvPicPr>
+          <p:cNvPr id="12" name="Picture 11" descr="A circuit board&#10;&#10;Description generated with very high confidence">
+            <a:extLst>
+              <a:ext uri="{FF2B5EF4-FFF2-40B4-BE49-F238E27FC236}">
+                <a16:creationId xmlns:a16="http://schemas.microsoft.com/office/drawing/2014/main" id="{CB09794C-4A13-4159-81EE-F13906D7CF7E}"/>
+              </a:ext>
+            </a:extLst>
+          </p:cNvPr>
+          <p:cNvPicPr>
+            <a:picLocks noChangeAspect="1"/>
+          </p:cNvPicPr>
+          <p:nvPr/>
+        </p:nvPicPr>
+        <p:blipFill rotWithShape="1">
+          <a:blip r:embed="rId3"/>
+          <a:srcRect l="15952" t="36670" r="24428" b="19472"/>
+          <a:stretch/>
+        </p:blipFill>
+        <p:spPr>
+          <a:xfrm>
+            <a:off x="5714402" y="3159216"/>
+            <a:ext cx="5246712" cy="2894657"/>
+          </a:xfrm>
+          <a:prstGeom prst="rect">
+            <a:avLst/>
+          </a:prstGeom>
+          <a:ln w="57150">
+            <a:solidFill>
+              <a:schemeClr val="accent1">
+                <a:lumMod val="75000"/>
+              </a:schemeClr>
+            </a:solidFill>
+          </a:ln>
+        </p:spPr>
+      </p:pic>
     </p:spTree>
     <p:extLst>
       <p:ext uri="{BB962C8B-B14F-4D97-AF65-F5344CB8AC3E}">
@@ -7030,6 +7118,141 @@
 </file>
 
 <file path=ppt/slides/slide6.xml><?xml version="1.0" encoding="utf-8"?>
+<p:sld xmlns:a="http://schemas.openxmlformats.org/drawingml/2006/main" xmlns:r="http://schemas.openxmlformats.org/officeDocument/2006/relationships" xmlns:p="http://schemas.openxmlformats.org/presentationml/2006/main">
+  <p:cSld>
+    <p:spTree>
+      <p:nvGrpSpPr>
+        <p:cNvPr id="1" name=""/>
+        <p:cNvGrpSpPr/>
+        <p:nvPr/>
+      </p:nvGrpSpPr>
+      <p:grpSpPr>
+        <a:xfrm>
+          <a:off x="0" y="0"/>
+          <a:ext cx="0" cy="0"/>
+          <a:chOff x="0" y="0"/>
+          <a:chExt cx="0" cy="0"/>
+        </a:xfrm>
+      </p:grpSpPr>
+      <p:sp>
+        <p:nvSpPr>
+          <p:cNvPr id="2" name="Title 1">
+            <a:extLst>
+              <a:ext uri="{FF2B5EF4-FFF2-40B4-BE49-F238E27FC236}">
+                <a16:creationId xmlns:a16="http://schemas.microsoft.com/office/drawing/2014/main" id="{E51F3574-FABE-4CC0-99A8-80D088270A7F}"/>
+              </a:ext>
+            </a:extLst>
+          </p:cNvPr>
+          <p:cNvSpPr>
+            <a:spLocks noGrp="1"/>
+          </p:cNvSpPr>
+          <p:nvPr>
+            <p:ph type="title"/>
+          </p:nvPr>
+        </p:nvSpPr>
+        <p:spPr/>
+        <p:txBody>
+          <a:bodyPr/>
+          <a:lstStyle/>
+          <a:p>
+            <a:r>
+              <a:rPr lang="en-US" dirty="0" err="1"/>
+              <a:t>Användningsfall</a:t>
+            </a:r>
+            <a:endParaRPr lang="en-US" dirty="0"/>
+          </a:p>
+        </p:txBody>
+      </p:sp>
+      <p:pic>
+        <p:nvPicPr>
+          <p:cNvPr id="4" name="Content Placeholder 3" descr="A screenshot of a cell phone&#10;&#10;Description generated with very high confidence">
+            <a:extLst>
+              <a:ext uri="{FF2B5EF4-FFF2-40B4-BE49-F238E27FC236}">
+                <a16:creationId xmlns:a16="http://schemas.microsoft.com/office/drawing/2014/main" id="{2AA05C83-1B28-4D8B-9487-2AE9DB8E6DDE}"/>
+              </a:ext>
+            </a:extLst>
+          </p:cNvPr>
+          <p:cNvPicPr>
+            <a:picLocks noGrp="1" noChangeAspect="1"/>
+          </p:cNvPicPr>
+          <p:nvPr>
+            <p:ph idx="1"/>
+          </p:nvPr>
+        </p:nvPicPr>
+        <p:blipFill>
+          <a:blip r:embed="rId2"/>
+          <a:stretch>
+            <a:fillRect/>
+          </a:stretch>
+        </p:blipFill>
+        <p:spPr>
+          <a:xfrm>
+            <a:off x="7122542" y="639437"/>
+            <a:ext cx="2980395" cy="5301129"/>
+          </a:xfrm>
+          <a:prstGeom prst="rect">
+            <a:avLst/>
+          </a:prstGeom>
+          <a:ln w="38100">
+            <a:solidFill>
+              <a:schemeClr val="accent1">
+                <a:lumMod val="75000"/>
+              </a:schemeClr>
+            </a:solidFill>
+          </a:ln>
+        </p:spPr>
+      </p:pic>
+      <p:pic>
+        <p:nvPicPr>
+          <p:cNvPr id="5" name="Picture 4">
+            <a:extLst>
+              <a:ext uri="{FF2B5EF4-FFF2-40B4-BE49-F238E27FC236}">
+                <a16:creationId xmlns:a16="http://schemas.microsoft.com/office/drawing/2014/main" id="{58FF2D92-DCE8-4DFB-A355-3515991EF67A}"/>
+              </a:ext>
+            </a:extLst>
+          </p:cNvPr>
+          <p:cNvPicPr>
+            <a:picLocks noChangeAspect="1"/>
+          </p:cNvPicPr>
+          <p:nvPr/>
+        </p:nvPicPr>
+        <p:blipFill>
+          <a:blip r:embed="rId3"/>
+          <a:stretch>
+            <a:fillRect/>
+          </a:stretch>
+        </p:blipFill>
+        <p:spPr>
+          <a:xfrm>
+            <a:off x="677334" y="1712686"/>
+            <a:ext cx="6183473" cy="4227880"/>
+          </a:xfrm>
+          <a:prstGeom prst="rect">
+            <a:avLst/>
+          </a:prstGeom>
+          <a:ln w="38100">
+            <a:solidFill>
+              <a:schemeClr val="accent1">
+                <a:lumMod val="75000"/>
+              </a:schemeClr>
+            </a:solidFill>
+          </a:ln>
+        </p:spPr>
+      </p:pic>
+    </p:spTree>
+    <p:extLst>
+      <p:ext uri="{BB962C8B-B14F-4D97-AF65-F5344CB8AC3E}">
+        <p14:creationId xmlns:p14="http://schemas.microsoft.com/office/powerpoint/2010/main" val="285781618"/>
+      </p:ext>
+    </p:extLst>
+  </p:cSld>
+  <p:clrMapOvr>
+    <a:masterClrMapping/>
+  </p:clrMapOvr>
+</p:sld>
+</file>
+
+<file path=ppt/slides/slide7.xml><?xml version="1.0" encoding="utf-8"?>
 <p:sld xmlns:a="http://schemas.openxmlformats.org/drawingml/2006/main" xmlns:r="http://schemas.openxmlformats.org/officeDocument/2006/relationships" xmlns:p="http://schemas.openxmlformats.org/presentationml/2006/main">
   <p:cSld>
     <p:spTree>
@@ -7152,9 +7375,10 @@
           </a:p>
           <a:p>
             <a:r>
-              <a:rPr lang="sv-SE" sz="1500" dirty="0"/>
-              <a:t>PHP ?</a:t>
-            </a:r>
+              <a:rPr lang="sv-SE" sz="1500" dirty="0" err="1"/>
+              <a:t>jQuery</a:t>
+            </a:r>
+            <a:endParaRPr lang="sv-SE" sz="1500" dirty="0"/>
           </a:p>
           <a:p>
             <a:r>
@@ -7184,7 +7408,7 @@
 </p:sld>
 </file>
 
-<file path=ppt/slides/slide7.xml><?xml version="1.0" encoding="utf-8"?>
+<file path=ppt/slides/slide8.xml><?xml version="1.0" encoding="utf-8"?>
 <p:sld xmlns:a="http://schemas.openxmlformats.org/drawingml/2006/main" xmlns:r="http://schemas.openxmlformats.org/officeDocument/2006/relationships" xmlns:p="http://schemas.openxmlformats.org/presentationml/2006/main">
   <p:cSld>
     <p:spTree>
@@ -7261,6 +7485,12 @@
               <a:t>Rösta via web</a:t>
             </a:r>
           </a:p>
+          <a:p>
+            <a:r>
+              <a:rPr lang="sv-SE" dirty="0"/>
+              <a:t>Paketering, lödning</a:t>
+            </a:r>
+          </a:p>
         </p:txBody>
       </p:sp>
     </p:spTree>
@@ -7276,7 +7506,7 @@
 </p:sld>
 </file>
 
-<file path=ppt/slides/slide8.xml><?xml version="1.0" encoding="utf-8"?>
+<file path=ppt/slides/slide9.xml><?xml version="1.0" encoding="utf-8"?>
 <p:sld xmlns:a="http://schemas.openxmlformats.org/drawingml/2006/main" xmlns:r="http://schemas.openxmlformats.org/officeDocument/2006/relationships" xmlns:p="http://schemas.openxmlformats.org/presentationml/2006/main">
   <p:cSld>
     <p:spTree>

--- a/Documentation/presentation/voteMachine.pptx
+++ b/Documentation/presentation/voteMachine.pptx
@@ -7,13 +7,14 @@
   <p:sldIdLst>
     <p:sldId id="256" r:id="rId2"/>
     <p:sldId id="259" r:id="rId3"/>
-    <p:sldId id="257" r:id="rId4"/>
-    <p:sldId id="263" r:id="rId5"/>
-    <p:sldId id="258" r:id="rId6"/>
-    <p:sldId id="265" r:id="rId7"/>
+    <p:sldId id="258" r:id="rId4"/>
+    <p:sldId id="265" r:id="rId5"/>
+    <p:sldId id="257" r:id="rId6"/>
+    <p:sldId id="263" r:id="rId7"/>
     <p:sldId id="261" r:id="rId8"/>
     <p:sldId id="262" r:id="rId9"/>
-    <p:sldId id="260" r:id="rId10"/>
+    <p:sldId id="266" r:id="rId10"/>
+    <p:sldId id="260" r:id="rId11"/>
   </p:sldIdLst>
   <p:sldSz cx="12192000" cy="6858000"/>
   <p:notesSz cx="6858000" cy="9144000"/>
@@ -5888,6 +5889,93 @@
 </p:sld>
 </file>
 
+<file path=ppt/slides/slide10.xml><?xml version="1.0" encoding="utf-8"?>
+<p:sld xmlns:a="http://schemas.openxmlformats.org/drawingml/2006/main" xmlns:r="http://schemas.openxmlformats.org/officeDocument/2006/relationships" xmlns:p="http://schemas.openxmlformats.org/presentationml/2006/main">
+  <p:cSld>
+    <p:spTree>
+      <p:nvGrpSpPr>
+        <p:cNvPr id="1" name=""/>
+        <p:cNvGrpSpPr/>
+        <p:nvPr/>
+      </p:nvGrpSpPr>
+      <p:grpSpPr>
+        <a:xfrm>
+          <a:off x="0" y="0"/>
+          <a:ext cx="0" cy="0"/>
+          <a:chOff x="0" y="0"/>
+          <a:chExt cx="0" cy="0"/>
+        </a:xfrm>
+      </p:grpSpPr>
+      <p:sp>
+        <p:nvSpPr>
+          <p:cNvPr id="2" name="Title 1">
+            <a:extLst>
+              <a:ext uri="{FF2B5EF4-FFF2-40B4-BE49-F238E27FC236}">
+                <a16:creationId xmlns:a16="http://schemas.microsoft.com/office/drawing/2014/main" id="{9C4F7D3B-DD9F-4DB9-97C1-72412FFD24A7}"/>
+              </a:ext>
+            </a:extLst>
+          </p:cNvPr>
+          <p:cNvSpPr>
+            <a:spLocks noGrp="1"/>
+          </p:cNvSpPr>
+          <p:nvPr>
+            <p:ph type="title"/>
+          </p:nvPr>
+        </p:nvSpPr>
+        <p:spPr/>
+        <p:txBody>
+          <a:bodyPr/>
+          <a:lstStyle/>
+          <a:p>
+            <a:r>
+              <a:rPr lang="en-US" dirty="0" err="1"/>
+              <a:t>Länkar</a:t>
+            </a:r>
+            <a:endParaRPr lang="en-US" dirty="0"/>
+          </a:p>
+        </p:txBody>
+      </p:sp>
+      <p:sp>
+        <p:nvSpPr>
+          <p:cNvPr id="3" name="Content Placeholder 2">
+            <a:extLst>
+              <a:ext uri="{FF2B5EF4-FFF2-40B4-BE49-F238E27FC236}">
+                <a16:creationId xmlns:a16="http://schemas.microsoft.com/office/drawing/2014/main" id="{E28DD783-660B-4B6E-8BEA-CB73FE238221}"/>
+              </a:ext>
+            </a:extLst>
+          </p:cNvPr>
+          <p:cNvSpPr>
+            <a:spLocks noGrp="1"/>
+          </p:cNvSpPr>
+          <p:nvPr>
+            <p:ph idx="1"/>
+          </p:nvPr>
+        </p:nvSpPr>
+        <p:spPr/>
+        <p:txBody>
+          <a:bodyPr/>
+          <a:lstStyle/>
+          <a:p>
+            <a:r>
+              <a:rPr lang="en-US" dirty="0"/>
+              <a:t>https://github.com/GoblinDynamiteer/voteMachine</a:t>
+            </a:r>
+          </a:p>
+        </p:txBody>
+      </p:sp>
+    </p:spTree>
+    <p:extLst>
+      <p:ext uri="{BB962C8B-B14F-4D97-AF65-F5344CB8AC3E}">
+        <p14:creationId xmlns:p14="http://schemas.microsoft.com/office/powerpoint/2010/main" val="199235954"/>
+      </p:ext>
+    </p:extLst>
+  </p:cSld>
+  <p:clrMapOvr>
+    <a:masterClrMapping/>
+  </p:clrMapOvr>
+</p:sld>
+</file>
+
 <file path=ppt/slides/slide2.xml><?xml version="1.0" encoding="utf-8"?>
 <p:sld xmlns:a="http://schemas.openxmlformats.org/drawingml/2006/main" xmlns:r="http://schemas.openxmlformats.org/officeDocument/2006/relationships" xmlns:p="http://schemas.openxmlformats.org/presentationml/2006/main">
   <p:cSld>
@@ -6081,6 +6169,717 @@
 </file>
 
 <file path=ppt/slides/slide3.xml><?xml version="1.0" encoding="utf-8"?>
+<p:sld xmlns:a="http://schemas.openxmlformats.org/drawingml/2006/main" xmlns:r="http://schemas.openxmlformats.org/officeDocument/2006/relationships" xmlns:p="http://schemas.openxmlformats.org/presentationml/2006/main">
+  <p:cSld>
+    <p:spTree>
+      <p:nvGrpSpPr>
+        <p:cNvPr id="1" name=""/>
+        <p:cNvGrpSpPr/>
+        <p:nvPr/>
+      </p:nvGrpSpPr>
+      <p:grpSpPr>
+        <a:xfrm>
+          <a:off x="0" y="0"/>
+          <a:ext cx="0" cy="0"/>
+          <a:chOff x="0" y="0"/>
+          <a:chExt cx="0" cy="0"/>
+        </a:xfrm>
+      </p:grpSpPr>
+      <p:sp>
+        <p:nvSpPr>
+          <p:cNvPr id="2" name="Title 1">
+            <a:extLst>
+              <a:ext uri="{FF2B5EF4-FFF2-40B4-BE49-F238E27FC236}">
+                <a16:creationId xmlns:a16="http://schemas.microsoft.com/office/drawing/2014/main" id="{9C4F7D3B-DD9F-4DB9-97C1-72412FFD24A7}"/>
+              </a:ext>
+            </a:extLst>
+          </p:cNvPr>
+          <p:cNvSpPr>
+            <a:spLocks noGrp="1"/>
+          </p:cNvSpPr>
+          <p:nvPr>
+            <p:ph type="title"/>
+          </p:nvPr>
+        </p:nvSpPr>
+        <p:spPr/>
+        <p:txBody>
+          <a:bodyPr/>
+          <a:lstStyle/>
+          <a:p>
+            <a:r>
+              <a:rPr lang="en-US" dirty="0" err="1"/>
+              <a:t>Användningsfall</a:t>
+            </a:r>
+            <a:endParaRPr lang="en-US" dirty="0"/>
+          </a:p>
+        </p:txBody>
+      </p:sp>
+      <p:sp>
+        <p:nvSpPr>
+          <p:cNvPr id="3" name="Content Placeholder 2">
+            <a:extLst>
+              <a:ext uri="{FF2B5EF4-FFF2-40B4-BE49-F238E27FC236}">
+                <a16:creationId xmlns:a16="http://schemas.microsoft.com/office/drawing/2014/main" id="{E28DD783-660B-4B6E-8BEA-CB73FE238221}"/>
+              </a:ext>
+            </a:extLst>
+          </p:cNvPr>
+          <p:cNvSpPr>
+            <a:spLocks noGrp="1"/>
+          </p:cNvSpPr>
+          <p:nvPr>
+            <p:ph idx="1"/>
+          </p:nvPr>
+        </p:nvSpPr>
+        <p:spPr>
+          <a:xfrm>
+            <a:off x="677334" y="1359779"/>
+            <a:ext cx="8596668" cy="3880773"/>
+          </a:xfrm>
+        </p:spPr>
+        <p:txBody>
+          <a:bodyPr/>
+          <a:lstStyle/>
+          <a:p>
+            <a:r>
+              <a:rPr lang="en-US" dirty="0"/>
+              <a:t>Mamma </a:t>
+            </a:r>
+            <a:r>
+              <a:rPr lang="en-US" dirty="0" err="1"/>
+              <a:t>vaknar</a:t>
+            </a:r>
+            <a:r>
+              <a:rPr lang="en-US" dirty="0"/>
+              <a:t> –&gt; </a:t>
+            </a:r>
+            <a:r>
+              <a:rPr lang="en-US" dirty="0" err="1"/>
+              <a:t>Använder</a:t>
+            </a:r>
+            <a:r>
+              <a:rPr lang="en-US" dirty="0"/>
+              <a:t> App: “Bio </a:t>
+            </a:r>
+            <a:r>
+              <a:rPr lang="en-US" dirty="0" err="1"/>
+              <a:t>ikväll</a:t>
+            </a:r>
+            <a:r>
+              <a:rPr lang="en-US" dirty="0"/>
+              <a:t>?” –&gt; </a:t>
+            </a:r>
+            <a:r>
+              <a:rPr lang="en-US" dirty="0" err="1"/>
+              <a:t>åker</a:t>
+            </a:r>
+            <a:r>
+              <a:rPr lang="en-US" dirty="0"/>
+              <a:t> till </a:t>
+            </a:r>
+            <a:r>
+              <a:rPr lang="en-US" dirty="0" err="1"/>
+              <a:t>arbete</a:t>
+            </a:r>
+            <a:endParaRPr lang="en-US" dirty="0"/>
+          </a:p>
+          <a:p>
+            <a:r>
+              <a:rPr lang="en-US" dirty="0"/>
+              <a:t>Barn </a:t>
+            </a:r>
+            <a:r>
+              <a:rPr lang="en-US" dirty="0" err="1"/>
+              <a:t>vaknar</a:t>
+            </a:r>
+            <a:r>
+              <a:rPr lang="en-US" dirty="0"/>
+              <a:t> -&gt; </a:t>
+            </a:r>
+            <a:r>
+              <a:rPr lang="en-US" dirty="0" err="1"/>
+              <a:t>ser</a:t>
+            </a:r>
+            <a:r>
+              <a:rPr lang="en-US" dirty="0"/>
+              <a:t> </a:t>
+            </a:r>
+            <a:r>
+              <a:rPr lang="en-US" dirty="0" err="1"/>
+              <a:t>fråga</a:t>
+            </a:r>
+            <a:r>
+              <a:rPr lang="en-US" dirty="0"/>
+              <a:t> -&gt; </a:t>
+            </a:r>
+            <a:r>
+              <a:rPr lang="en-US" dirty="0" err="1"/>
+              <a:t>röstar</a:t>
+            </a:r>
+            <a:r>
+              <a:rPr lang="en-US" dirty="0"/>
+              <a:t> med </a:t>
+            </a:r>
+            <a:r>
+              <a:rPr lang="en-US" dirty="0" err="1"/>
+              <a:t>knappar</a:t>
+            </a:r>
+            <a:endParaRPr lang="en-US" dirty="0"/>
+          </a:p>
+          <a:p>
+            <a:r>
+              <a:rPr lang="en-US" dirty="0"/>
+              <a:t>Mamma </a:t>
+            </a:r>
+            <a:r>
+              <a:rPr lang="en-US" dirty="0" err="1"/>
+              <a:t>på</a:t>
+            </a:r>
+            <a:r>
+              <a:rPr lang="en-US" dirty="0"/>
+              <a:t> </a:t>
+            </a:r>
+            <a:r>
+              <a:rPr lang="en-US" dirty="0" err="1"/>
+              <a:t>arbete</a:t>
+            </a:r>
+            <a:r>
+              <a:rPr lang="en-US" dirty="0"/>
+              <a:t> -&gt; </a:t>
+            </a:r>
+            <a:r>
+              <a:rPr lang="en-US" dirty="0" err="1"/>
+              <a:t>Loggar</a:t>
+            </a:r>
+            <a:r>
+              <a:rPr lang="en-US" dirty="0"/>
+              <a:t> in via Web -&gt; </a:t>
+            </a:r>
+            <a:r>
+              <a:rPr lang="en-US" dirty="0" err="1"/>
+              <a:t>beställer</a:t>
+            </a:r>
+            <a:r>
+              <a:rPr lang="en-US" dirty="0"/>
+              <a:t> </a:t>
+            </a:r>
+            <a:r>
+              <a:rPr lang="en-US" dirty="0" err="1"/>
+              <a:t>rätt</a:t>
+            </a:r>
+            <a:r>
+              <a:rPr lang="en-US" dirty="0"/>
+              <a:t> </a:t>
+            </a:r>
+            <a:r>
+              <a:rPr lang="en-US" dirty="0" err="1"/>
+              <a:t>antal</a:t>
+            </a:r>
+            <a:r>
+              <a:rPr lang="en-US" dirty="0"/>
+              <a:t> </a:t>
+            </a:r>
+            <a:r>
+              <a:rPr lang="en-US" dirty="0" err="1"/>
+              <a:t>biobiljetter</a:t>
+            </a:r>
+            <a:endParaRPr lang="en-US" dirty="0"/>
+          </a:p>
+          <a:p>
+            <a:endParaRPr lang="en-US" dirty="0"/>
+          </a:p>
+        </p:txBody>
+      </p:sp>
+      <p:sp>
+        <p:nvSpPr>
+          <p:cNvPr id="4" name="Arrow: Right 3">
+            <a:extLst>
+              <a:ext uri="{FF2B5EF4-FFF2-40B4-BE49-F238E27FC236}">
+                <a16:creationId xmlns:a16="http://schemas.microsoft.com/office/drawing/2014/main" id="{4350329C-16F2-4081-A2D4-D7A6A499B3DF}"/>
+              </a:ext>
+            </a:extLst>
+          </p:cNvPr>
+          <p:cNvSpPr/>
+          <p:nvPr/>
+        </p:nvSpPr>
+        <p:spPr>
+          <a:xfrm>
+            <a:off x="2712720" y="1418134"/>
+            <a:ext cx="225552" cy="280416"/>
+          </a:xfrm>
+          <a:prstGeom prst="rightArrow">
+            <a:avLst/>
+          </a:prstGeom>
+        </p:spPr>
+        <p:style>
+          <a:lnRef idx="2">
+            <a:schemeClr val="accent1">
+              <a:shade val="50000"/>
+            </a:schemeClr>
+          </a:lnRef>
+          <a:fillRef idx="1">
+            <a:schemeClr val="accent1"/>
+          </a:fillRef>
+          <a:effectRef idx="0">
+            <a:schemeClr val="accent1"/>
+          </a:effectRef>
+          <a:fontRef idx="minor">
+            <a:schemeClr val="lt1"/>
+          </a:fontRef>
+        </p:style>
+        <p:txBody>
+          <a:bodyPr rtlCol="0" anchor="ctr"/>
+          <a:lstStyle/>
+          <a:p>
+            <a:pPr algn="ctr"/>
+            <a:endParaRPr lang="sv-SE"/>
+          </a:p>
+        </p:txBody>
+      </p:sp>
+      <p:sp>
+        <p:nvSpPr>
+          <p:cNvPr id="5" name="Arrow: Right 4">
+            <a:extLst>
+              <a:ext uri="{FF2B5EF4-FFF2-40B4-BE49-F238E27FC236}">
+                <a16:creationId xmlns:a16="http://schemas.microsoft.com/office/drawing/2014/main" id="{AD4C02E4-C500-4918-B4FC-501DD899B6BC}"/>
+              </a:ext>
+            </a:extLst>
+          </p:cNvPr>
+          <p:cNvSpPr/>
+          <p:nvPr/>
+        </p:nvSpPr>
+        <p:spPr>
+          <a:xfrm>
+            <a:off x="5833872" y="1418134"/>
+            <a:ext cx="225552" cy="280416"/>
+          </a:xfrm>
+          <a:prstGeom prst="rightArrow">
+            <a:avLst/>
+          </a:prstGeom>
+        </p:spPr>
+        <p:style>
+          <a:lnRef idx="2">
+            <a:schemeClr val="accent1">
+              <a:shade val="50000"/>
+            </a:schemeClr>
+          </a:lnRef>
+          <a:fillRef idx="1">
+            <a:schemeClr val="accent1"/>
+          </a:fillRef>
+          <a:effectRef idx="0">
+            <a:schemeClr val="accent1"/>
+          </a:effectRef>
+          <a:fontRef idx="minor">
+            <a:schemeClr val="lt1"/>
+          </a:fontRef>
+        </p:style>
+        <p:txBody>
+          <a:bodyPr rtlCol="0" anchor="ctr"/>
+          <a:lstStyle/>
+          <a:p>
+            <a:pPr algn="ctr"/>
+            <a:endParaRPr lang="sv-SE"/>
+          </a:p>
+        </p:txBody>
+      </p:sp>
+      <p:sp>
+        <p:nvSpPr>
+          <p:cNvPr id="6" name="Arrow: Right 5">
+            <a:extLst>
+              <a:ext uri="{FF2B5EF4-FFF2-40B4-BE49-F238E27FC236}">
+                <a16:creationId xmlns:a16="http://schemas.microsoft.com/office/drawing/2014/main" id="{30471252-3489-41A5-8A65-D779206BBE1B}"/>
+              </a:ext>
+            </a:extLst>
+          </p:cNvPr>
+          <p:cNvSpPr/>
+          <p:nvPr/>
+        </p:nvSpPr>
+        <p:spPr>
+          <a:xfrm>
+            <a:off x="2390105" y="1814374"/>
+            <a:ext cx="225552" cy="280416"/>
+          </a:xfrm>
+          <a:prstGeom prst="rightArrow">
+            <a:avLst/>
+          </a:prstGeom>
+        </p:spPr>
+        <p:style>
+          <a:lnRef idx="2">
+            <a:schemeClr val="accent1">
+              <a:shade val="50000"/>
+            </a:schemeClr>
+          </a:lnRef>
+          <a:fillRef idx="1">
+            <a:schemeClr val="accent1"/>
+          </a:fillRef>
+          <a:effectRef idx="0">
+            <a:schemeClr val="accent1"/>
+          </a:effectRef>
+          <a:fontRef idx="minor">
+            <a:schemeClr val="lt1"/>
+          </a:fontRef>
+        </p:style>
+        <p:txBody>
+          <a:bodyPr rtlCol="0" anchor="ctr"/>
+          <a:lstStyle/>
+          <a:p>
+            <a:pPr algn="ctr"/>
+            <a:endParaRPr lang="sv-SE"/>
+          </a:p>
+        </p:txBody>
+      </p:sp>
+      <p:sp>
+        <p:nvSpPr>
+          <p:cNvPr id="7" name="Arrow: Right 6">
+            <a:extLst>
+              <a:ext uri="{FF2B5EF4-FFF2-40B4-BE49-F238E27FC236}">
+                <a16:creationId xmlns:a16="http://schemas.microsoft.com/office/drawing/2014/main" id="{CF1E41B1-BC1B-47D7-B4E4-DC69A010250A}"/>
+              </a:ext>
+            </a:extLst>
+          </p:cNvPr>
+          <p:cNvSpPr/>
+          <p:nvPr/>
+        </p:nvSpPr>
+        <p:spPr>
+          <a:xfrm>
+            <a:off x="3640202" y="1832583"/>
+            <a:ext cx="225552" cy="280416"/>
+          </a:xfrm>
+          <a:prstGeom prst="rightArrow">
+            <a:avLst/>
+          </a:prstGeom>
+        </p:spPr>
+        <p:style>
+          <a:lnRef idx="2">
+            <a:schemeClr val="accent1">
+              <a:shade val="50000"/>
+            </a:schemeClr>
+          </a:lnRef>
+          <a:fillRef idx="1">
+            <a:schemeClr val="accent1"/>
+          </a:fillRef>
+          <a:effectRef idx="0">
+            <a:schemeClr val="accent1"/>
+          </a:effectRef>
+          <a:fontRef idx="minor">
+            <a:schemeClr val="lt1"/>
+          </a:fontRef>
+        </p:style>
+        <p:txBody>
+          <a:bodyPr rtlCol="0" anchor="ctr"/>
+          <a:lstStyle/>
+          <a:p>
+            <a:pPr algn="ctr"/>
+            <a:endParaRPr lang="sv-SE"/>
+          </a:p>
+        </p:txBody>
+      </p:sp>
+      <p:sp>
+        <p:nvSpPr>
+          <p:cNvPr id="8" name="Arrow: Right 7">
+            <a:extLst>
+              <a:ext uri="{FF2B5EF4-FFF2-40B4-BE49-F238E27FC236}">
+                <a16:creationId xmlns:a16="http://schemas.microsoft.com/office/drawing/2014/main" id="{16616107-A0A0-435F-AC55-1FE2D3AFE748}"/>
+              </a:ext>
+            </a:extLst>
+          </p:cNvPr>
+          <p:cNvSpPr/>
+          <p:nvPr/>
+        </p:nvSpPr>
+        <p:spPr>
+          <a:xfrm>
+            <a:off x="3002280" y="2203059"/>
+            <a:ext cx="225552" cy="280416"/>
+          </a:xfrm>
+          <a:prstGeom prst="rightArrow">
+            <a:avLst/>
+          </a:prstGeom>
+        </p:spPr>
+        <p:style>
+          <a:lnRef idx="2">
+            <a:schemeClr val="accent1">
+              <a:shade val="50000"/>
+            </a:schemeClr>
+          </a:lnRef>
+          <a:fillRef idx="1">
+            <a:schemeClr val="accent1"/>
+          </a:fillRef>
+          <a:effectRef idx="0">
+            <a:schemeClr val="accent1"/>
+          </a:effectRef>
+          <a:fontRef idx="minor">
+            <a:schemeClr val="lt1"/>
+          </a:fontRef>
+        </p:style>
+        <p:txBody>
+          <a:bodyPr rtlCol="0" anchor="ctr"/>
+          <a:lstStyle/>
+          <a:p>
+            <a:pPr algn="ctr"/>
+            <a:endParaRPr lang="sv-SE"/>
+          </a:p>
+        </p:txBody>
+      </p:sp>
+      <p:sp>
+        <p:nvSpPr>
+          <p:cNvPr id="9" name="Arrow: Right 8">
+            <a:extLst>
+              <a:ext uri="{FF2B5EF4-FFF2-40B4-BE49-F238E27FC236}">
+                <a16:creationId xmlns:a16="http://schemas.microsoft.com/office/drawing/2014/main" id="{ED101C5E-CA6B-4CDE-89B3-51393A4A01BC}"/>
+              </a:ext>
+            </a:extLst>
+          </p:cNvPr>
+          <p:cNvSpPr/>
+          <p:nvPr/>
+        </p:nvSpPr>
+        <p:spPr>
+          <a:xfrm>
+            <a:off x="5166360" y="2203059"/>
+            <a:ext cx="225552" cy="280416"/>
+          </a:xfrm>
+          <a:prstGeom prst="rightArrow">
+            <a:avLst/>
+          </a:prstGeom>
+        </p:spPr>
+        <p:style>
+          <a:lnRef idx="2">
+            <a:schemeClr val="accent1">
+              <a:shade val="50000"/>
+            </a:schemeClr>
+          </a:lnRef>
+          <a:fillRef idx="1">
+            <a:schemeClr val="accent1"/>
+          </a:fillRef>
+          <a:effectRef idx="0">
+            <a:schemeClr val="accent1"/>
+          </a:effectRef>
+          <a:fontRef idx="minor">
+            <a:schemeClr val="lt1"/>
+          </a:fontRef>
+        </p:style>
+        <p:txBody>
+          <a:bodyPr rtlCol="0" anchor="ctr"/>
+          <a:lstStyle/>
+          <a:p>
+            <a:pPr algn="ctr"/>
+            <a:endParaRPr lang="sv-SE"/>
+          </a:p>
+        </p:txBody>
+      </p:sp>
+      <p:pic>
+        <p:nvPicPr>
+          <p:cNvPr id="11" name="Picture 10">
+            <a:extLst>
+              <a:ext uri="{FF2B5EF4-FFF2-40B4-BE49-F238E27FC236}">
+                <a16:creationId xmlns:a16="http://schemas.microsoft.com/office/drawing/2014/main" id="{81A90D3C-B5CF-4194-85CE-E1C0BBFA2C95}"/>
+              </a:ext>
+            </a:extLst>
+          </p:cNvPr>
+          <p:cNvPicPr>
+            <a:picLocks noChangeAspect="1"/>
+          </p:cNvPicPr>
+          <p:nvPr/>
+        </p:nvPicPr>
+        <p:blipFill>
+          <a:blip r:embed="rId2"/>
+          <a:stretch>
+            <a:fillRect/>
+          </a:stretch>
+        </p:blipFill>
+        <p:spPr>
+          <a:xfrm>
+            <a:off x="787107" y="2756134"/>
+            <a:ext cx="4540267" cy="3804232"/>
+          </a:xfrm>
+          <a:prstGeom prst="rect">
+            <a:avLst/>
+          </a:prstGeom>
+        </p:spPr>
+      </p:pic>
+      <p:pic>
+        <p:nvPicPr>
+          <p:cNvPr id="12" name="Picture 11" descr="A circuit board&#10;&#10;Description generated with very high confidence">
+            <a:extLst>
+              <a:ext uri="{FF2B5EF4-FFF2-40B4-BE49-F238E27FC236}">
+                <a16:creationId xmlns:a16="http://schemas.microsoft.com/office/drawing/2014/main" id="{CB09794C-4A13-4159-81EE-F13906D7CF7E}"/>
+              </a:ext>
+            </a:extLst>
+          </p:cNvPr>
+          <p:cNvPicPr>
+            <a:picLocks noChangeAspect="1"/>
+          </p:cNvPicPr>
+          <p:nvPr/>
+        </p:nvPicPr>
+        <p:blipFill rotWithShape="1">
+          <a:blip r:embed="rId3"/>
+          <a:srcRect l="15952" t="36670" r="24428" b="19472"/>
+          <a:stretch/>
+        </p:blipFill>
+        <p:spPr>
+          <a:xfrm>
+            <a:off x="5714402" y="3159216"/>
+            <a:ext cx="5246712" cy="2894657"/>
+          </a:xfrm>
+          <a:prstGeom prst="rect">
+            <a:avLst/>
+          </a:prstGeom>
+          <a:ln w="57150">
+            <a:solidFill>
+              <a:schemeClr val="accent1">
+                <a:lumMod val="75000"/>
+              </a:schemeClr>
+            </a:solidFill>
+          </a:ln>
+        </p:spPr>
+      </p:pic>
+    </p:spTree>
+    <p:extLst>
+      <p:ext uri="{BB962C8B-B14F-4D97-AF65-F5344CB8AC3E}">
+        <p14:creationId xmlns:p14="http://schemas.microsoft.com/office/powerpoint/2010/main" val="3628960560"/>
+      </p:ext>
+    </p:extLst>
+  </p:cSld>
+  <p:clrMapOvr>
+    <a:masterClrMapping/>
+  </p:clrMapOvr>
+</p:sld>
+</file>
+
+<file path=ppt/slides/slide4.xml><?xml version="1.0" encoding="utf-8"?>
+<p:sld xmlns:a="http://schemas.openxmlformats.org/drawingml/2006/main" xmlns:r="http://schemas.openxmlformats.org/officeDocument/2006/relationships" xmlns:p="http://schemas.openxmlformats.org/presentationml/2006/main">
+  <p:cSld>
+    <p:spTree>
+      <p:nvGrpSpPr>
+        <p:cNvPr id="1" name=""/>
+        <p:cNvGrpSpPr/>
+        <p:nvPr/>
+      </p:nvGrpSpPr>
+      <p:grpSpPr>
+        <a:xfrm>
+          <a:off x="0" y="0"/>
+          <a:ext cx="0" cy="0"/>
+          <a:chOff x="0" y="0"/>
+          <a:chExt cx="0" cy="0"/>
+        </a:xfrm>
+      </p:grpSpPr>
+      <p:sp>
+        <p:nvSpPr>
+          <p:cNvPr id="2" name="Title 1">
+            <a:extLst>
+              <a:ext uri="{FF2B5EF4-FFF2-40B4-BE49-F238E27FC236}">
+                <a16:creationId xmlns:a16="http://schemas.microsoft.com/office/drawing/2014/main" id="{E51F3574-FABE-4CC0-99A8-80D088270A7F}"/>
+              </a:ext>
+            </a:extLst>
+          </p:cNvPr>
+          <p:cNvSpPr>
+            <a:spLocks noGrp="1"/>
+          </p:cNvSpPr>
+          <p:nvPr>
+            <p:ph type="title"/>
+          </p:nvPr>
+        </p:nvSpPr>
+        <p:spPr/>
+        <p:txBody>
+          <a:bodyPr/>
+          <a:lstStyle/>
+          <a:p>
+            <a:r>
+              <a:rPr lang="en-US" dirty="0" err="1"/>
+              <a:t>Användningsfall</a:t>
+            </a:r>
+            <a:endParaRPr lang="en-US" dirty="0"/>
+          </a:p>
+        </p:txBody>
+      </p:sp>
+      <p:pic>
+        <p:nvPicPr>
+          <p:cNvPr id="4" name="Content Placeholder 3" descr="A screenshot of a cell phone&#10;&#10;Description generated with very high confidence">
+            <a:extLst>
+              <a:ext uri="{FF2B5EF4-FFF2-40B4-BE49-F238E27FC236}">
+                <a16:creationId xmlns:a16="http://schemas.microsoft.com/office/drawing/2014/main" id="{2AA05C83-1B28-4D8B-9487-2AE9DB8E6DDE}"/>
+              </a:ext>
+            </a:extLst>
+          </p:cNvPr>
+          <p:cNvPicPr>
+            <a:picLocks noGrp="1" noChangeAspect="1"/>
+          </p:cNvPicPr>
+          <p:nvPr>
+            <p:ph idx="1"/>
+          </p:nvPr>
+        </p:nvPicPr>
+        <p:blipFill>
+          <a:blip r:embed="rId2"/>
+          <a:stretch>
+            <a:fillRect/>
+          </a:stretch>
+        </p:blipFill>
+        <p:spPr>
+          <a:xfrm>
+            <a:off x="7122542" y="639437"/>
+            <a:ext cx="2980395" cy="5301129"/>
+          </a:xfrm>
+          <a:prstGeom prst="rect">
+            <a:avLst/>
+          </a:prstGeom>
+          <a:ln w="38100">
+            <a:solidFill>
+              <a:schemeClr val="accent1">
+                <a:lumMod val="75000"/>
+              </a:schemeClr>
+            </a:solidFill>
+          </a:ln>
+        </p:spPr>
+      </p:pic>
+      <p:pic>
+        <p:nvPicPr>
+          <p:cNvPr id="5" name="Picture 4">
+            <a:extLst>
+              <a:ext uri="{FF2B5EF4-FFF2-40B4-BE49-F238E27FC236}">
+                <a16:creationId xmlns:a16="http://schemas.microsoft.com/office/drawing/2014/main" id="{58FF2D92-DCE8-4DFB-A355-3515991EF67A}"/>
+              </a:ext>
+            </a:extLst>
+          </p:cNvPr>
+          <p:cNvPicPr>
+            <a:picLocks noChangeAspect="1"/>
+          </p:cNvPicPr>
+          <p:nvPr/>
+        </p:nvPicPr>
+        <p:blipFill>
+          <a:blip r:embed="rId3"/>
+          <a:stretch>
+            <a:fillRect/>
+          </a:stretch>
+        </p:blipFill>
+        <p:spPr>
+          <a:xfrm>
+            <a:off x="677334" y="1712686"/>
+            <a:ext cx="6183473" cy="4227880"/>
+          </a:xfrm>
+          <a:prstGeom prst="rect">
+            <a:avLst/>
+          </a:prstGeom>
+          <a:ln w="38100">
+            <a:solidFill>
+              <a:schemeClr val="accent1">
+                <a:lumMod val="75000"/>
+              </a:schemeClr>
+            </a:solidFill>
+          </a:ln>
+        </p:spPr>
+      </p:pic>
+    </p:spTree>
+    <p:extLst>
+      <p:ext uri="{BB962C8B-B14F-4D97-AF65-F5344CB8AC3E}">
+        <p14:creationId xmlns:p14="http://schemas.microsoft.com/office/powerpoint/2010/main" val="285781618"/>
+      </p:ext>
+    </p:extLst>
+  </p:cSld>
+  <p:clrMapOvr>
+    <a:masterClrMapping/>
+  </p:clrMapOvr>
+</p:sld>
+</file>
+
+<file path=ppt/slides/slide5.xml><?xml version="1.0" encoding="utf-8"?>
 <p:sld xmlns:a="http://schemas.openxmlformats.org/drawingml/2006/main" xmlns:r="http://schemas.openxmlformats.org/officeDocument/2006/relationships" xmlns:p="http://schemas.openxmlformats.org/presentationml/2006/main">
   <p:cSld>
     <p:spTree>
@@ -6251,7 +7050,7 @@
 </p:sld>
 </file>
 
-<file path=ppt/slides/slide4.xml><?xml version="1.0" encoding="utf-8"?>
+<file path=ppt/slides/slide6.xml><?xml version="1.0" encoding="utf-8"?>
 <p:sld xmlns:a="http://schemas.openxmlformats.org/drawingml/2006/main" xmlns:r="http://schemas.openxmlformats.org/officeDocument/2006/relationships" xmlns:p="http://schemas.openxmlformats.org/presentationml/2006/main">
   <p:cSld>
     <p:spTree>
@@ -6541,717 +7340,6 @@
 </p:sld>
 </file>
 
-<file path=ppt/slides/slide5.xml><?xml version="1.0" encoding="utf-8"?>
-<p:sld xmlns:a="http://schemas.openxmlformats.org/drawingml/2006/main" xmlns:r="http://schemas.openxmlformats.org/officeDocument/2006/relationships" xmlns:p="http://schemas.openxmlformats.org/presentationml/2006/main">
-  <p:cSld>
-    <p:spTree>
-      <p:nvGrpSpPr>
-        <p:cNvPr id="1" name=""/>
-        <p:cNvGrpSpPr/>
-        <p:nvPr/>
-      </p:nvGrpSpPr>
-      <p:grpSpPr>
-        <a:xfrm>
-          <a:off x="0" y="0"/>
-          <a:ext cx="0" cy="0"/>
-          <a:chOff x="0" y="0"/>
-          <a:chExt cx="0" cy="0"/>
-        </a:xfrm>
-      </p:grpSpPr>
-      <p:sp>
-        <p:nvSpPr>
-          <p:cNvPr id="2" name="Title 1">
-            <a:extLst>
-              <a:ext uri="{FF2B5EF4-FFF2-40B4-BE49-F238E27FC236}">
-                <a16:creationId xmlns:a16="http://schemas.microsoft.com/office/drawing/2014/main" id="{9C4F7D3B-DD9F-4DB9-97C1-72412FFD24A7}"/>
-              </a:ext>
-            </a:extLst>
-          </p:cNvPr>
-          <p:cNvSpPr>
-            <a:spLocks noGrp="1"/>
-          </p:cNvSpPr>
-          <p:nvPr>
-            <p:ph type="title"/>
-          </p:nvPr>
-        </p:nvSpPr>
-        <p:spPr/>
-        <p:txBody>
-          <a:bodyPr/>
-          <a:lstStyle/>
-          <a:p>
-            <a:r>
-              <a:rPr lang="en-US" dirty="0" err="1"/>
-              <a:t>Användningsfall</a:t>
-            </a:r>
-            <a:endParaRPr lang="en-US" dirty="0"/>
-          </a:p>
-        </p:txBody>
-      </p:sp>
-      <p:sp>
-        <p:nvSpPr>
-          <p:cNvPr id="3" name="Content Placeholder 2">
-            <a:extLst>
-              <a:ext uri="{FF2B5EF4-FFF2-40B4-BE49-F238E27FC236}">
-                <a16:creationId xmlns:a16="http://schemas.microsoft.com/office/drawing/2014/main" id="{E28DD783-660B-4B6E-8BEA-CB73FE238221}"/>
-              </a:ext>
-            </a:extLst>
-          </p:cNvPr>
-          <p:cNvSpPr>
-            <a:spLocks noGrp="1"/>
-          </p:cNvSpPr>
-          <p:nvPr>
-            <p:ph idx="1"/>
-          </p:nvPr>
-        </p:nvSpPr>
-        <p:spPr>
-          <a:xfrm>
-            <a:off x="677334" y="1359779"/>
-            <a:ext cx="8596668" cy="3880773"/>
-          </a:xfrm>
-        </p:spPr>
-        <p:txBody>
-          <a:bodyPr/>
-          <a:lstStyle/>
-          <a:p>
-            <a:r>
-              <a:rPr lang="en-US" dirty="0"/>
-              <a:t>Mamma </a:t>
-            </a:r>
-            <a:r>
-              <a:rPr lang="en-US" dirty="0" err="1"/>
-              <a:t>vaknar</a:t>
-            </a:r>
-            <a:r>
-              <a:rPr lang="en-US" dirty="0"/>
-              <a:t> –&gt; </a:t>
-            </a:r>
-            <a:r>
-              <a:rPr lang="en-US" dirty="0" err="1"/>
-              <a:t>Använder</a:t>
-            </a:r>
-            <a:r>
-              <a:rPr lang="en-US" dirty="0"/>
-              <a:t> App: “Bio </a:t>
-            </a:r>
-            <a:r>
-              <a:rPr lang="en-US" dirty="0" err="1"/>
-              <a:t>ikväll</a:t>
-            </a:r>
-            <a:r>
-              <a:rPr lang="en-US" dirty="0"/>
-              <a:t>?” –&gt; </a:t>
-            </a:r>
-            <a:r>
-              <a:rPr lang="en-US" dirty="0" err="1"/>
-              <a:t>åker</a:t>
-            </a:r>
-            <a:r>
-              <a:rPr lang="en-US" dirty="0"/>
-              <a:t> till </a:t>
-            </a:r>
-            <a:r>
-              <a:rPr lang="en-US" dirty="0" err="1"/>
-              <a:t>arbete</a:t>
-            </a:r>
-            <a:endParaRPr lang="en-US" dirty="0"/>
-          </a:p>
-          <a:p>
-            <a:r>
-              <a:rPr lang="en-US" dirty="0"/>
-              <a:t>Barn </a:t>
-            </a:r>
-            <a:r>
-              <a:rPr lang="en-US" dirty="0" err="1"/>
-              <a:t>vaknar</a:t>
-            </a:r>
-            <a:r>
-              <a:rPr lang="en-US" dirty="0"/>
-              <a:t> -&gt; </a:t>
-            </a:r>
-            <a:r>
-              <a:rPr lang="en-US" dirty="0" err="1"/>
-              <a:t>ser</a:t>
-            </a:r>
-            <a:r>
-              <a:rPr lang="en-US" dirty="0"/>
-              <a:t> </a:t>
-            </a:r>
-            <a:r>
-              <a:rPr lang="en-US" dirty="0" err="1"/>
-              <a:t>fråga</a:t>
-            </a:r>
-            <a:r>
-              <a:rPr lang="en-US" dirty="0"/>
-              <a:t> -&gt; </a:t>
-            </a:r>
-            <a:r>
-              <a:rPr lang="en-US" dirty="0" err="1"/>
-              <a:t>röstar</a:t>
-            </a:r>
-            <a:r>
-              <a:rPr lang="en-US" dirty="0"/>
-              <a:t> med </a:t>
-            </a:r>
-            <a:r>
-              <a:rPr lang="en-US" dirty="0" err="1"/>
-              <a:t>knappar</a:t>
-            </a:r>
-            <a:endParaRPr lang="en-US" dirty="0"/>
-          </a:p>
-          <a:p>
-            <a:r>
-              <a:rPr lang="en-US" dirty="0"/>
-              <a:t>Mamma </a:t>
-            </a:r>
-            <a:r>
-              <a:rPr lang="en-US" dirty="0" err="1"/>
-              <a:t>på</a:t>
-            </a:r>
-            <a:r>
-              <a:rPr lang="en-US" dirty="0"/>
-              <a:t> </a:t>
-            </a:r>
-            <a:r>
-              <a:rPr lang="en-US" dirty="0" err="1"/>
-              <a:t>arbete</a:t>
-            </a:r>
-            <a:r>
-              <a:rPr lang="en-US" dirty="0"/>
-              <a:t> -&gt; </a:t>
-            </a:r>
-            <a:r>
-              <a:rPr lang="en-US" dirty="0" err="1"/>
-              <a:t>Loggar</a:t>
-            </a:r>
-            <a:r>
-              <a:rPr lang="en-US" dirty="0"/>
-              <a:t> in via Web -&gt; </a:t>
-            </a:r>
-            <a:r>
-              <a:rPr lang="en-US" dirty="0" err="1"/>
-              <a:t>beställer</a:t>
-            </a:r>
-            <a:r>
-              <a:rPr lang="en-US" dirty="0"/>
-              <a:t> </a:t>
-            </a:r>
-            <a:r>
-              <a:rPr lang="en-US" dirty="0" err="1"/>
-              <a:t>rätt</a:t>
-            </a:r>
-            <a:r>
-              <a:rPr lang="en-US" dirty="0"/>
-              <a:t> </a:t>
-            </a:r>
-            <a:r>
-              <a:rPr lang="en-US" dirty="0" err="1"/>
-              <a:t>antal</a:t>
-            </a:r>
-            <a:r>
-              <a:rPr lang="en-US" dirty="0"/>
-              <a:t> </a:t>
-            </a:r>
-            <a:r>
-              <a:rPr lang="en-US" dirty="0" err="1"/>
-              <a:t>biobiljetter</a:t>
-            </a:r>
-            <a:endParaRPr lang="en-US" dirty="0"/>
-          </a:p>
-          <a:p>
-            <a:endParaRPr lang="en-US" dirty="0"/>
-          </a:p>
-        </p:txBody>
-      </p:sp>
-      <p:sp>
-        <p:nvSpPr>
-          <p:cNvPr id="4" name="Arrow: Right 3">
-            <a:extLst>
-              <a:ext uri="{FF2B5EF4-FFF2-40B4-BE49-F238E27FC236}">
-                <a16:creationId xmlns:a16="http://schemas.microsoft.com/office/drawing/2014/main" id="{4350329C-16F2-4081-A2D4-D7A6A499B3DF}"/>
-              </a:ext>
-            </a:extLst>
-          </p:cNvPr>
-          <p:cNvSpPr/>
-          <p:nvPr/>
-        </p:nvSpPr>
-        <p:spPr>
-          <a:xfrm>
-            <a:off x="2712720" y="1418134"/>
-            <a:ext cx="225552" cy="280416"/>
-          </a:xfrm>
-          <a:prstGeom prst="rightArrow">
-            <a:avLst/>
-          </a:prstGeom>
-        </p:spPr>
-        <p:style>
-          <a:lnRef idx="2">
-            <a:schemeClr val="accent1">
-              <a:shade val="50000"/>
-            </a:schemeClr>
-          </a:lnRef>
-          <a:fillRef idx="1">
-            <a:schemeClr val="accent1"/>
-          </a:fillRef>
-          <a:effectRef idx="0">
-            <a:schemeClr val="accent1"/>
-          </a:effectRef>
-          <a:fontRef idx="minor">
-            <a:schemeClr val="lt1"/>
-          </a:fontRef>
-        </p:style>
-        <p:txBody>
-          <a:bodyPr rtlCol="0" anchor="ctr"/>
-          <a:lstStyle/>
-          <a:p>
-            <a:pPr algn="ctr"/>
-            <a:endParaRPr lang="sv-SE"/>
-          </a:p>
-        </p:txBody>
-      </p:sp>
-      <p:sp>
-        <p:nvSpPr>
-          <p:cNvPr id="5" name="Arrow: Right 4">
-            <a:extLst>
-              <a:ext uri="{FF2B5EF4-FFF2-40B4-BE49-F238E27FC236}">
-                <a16:creationId xmlns:a16="http://schemas.microsoft.com/office/drawing/2014/main" id="{AD4C02E4-C500-4918-B4FC-501DD899B6BC}"/>
-              </a:ext>
-            </a:extLst>
-          </p:cNvPr>
-          <p:cNvSpPr/>
-          <p:nvPr/>
-        </p:nvSpPr>
-        <p:spPr>
-          <a:xfrm>
-            <a:off x="5833872" y="1418134"/>
-            <a:ext cx="225552" cy="280416"/>
-          </a:xfrm>
-          <a:prstGeom prst="rightArrow">
-            <a:avLst/>
-          </a:prstGeom>
-        </p:spPr>
-        <p:style>
-          <a:lnRef idx="2">
-            <a:schemeClr val="accent1">
-              <a:shade val="50000"/>
-            </a:schemeClr>
-          </a:lnRef>
-          <a:fillRef idx="1">
-            <a:schemeClr val="accent1"/>
-          </a:fillRef>
-          <a:effectRef idx="0">
-            <a:schemeClr val="accent1"/>
-          </a:effectRef>
-          <a:fontRef idx="minor">
-            <a:schemeClr val="lt1"/>
-          </a:fontRef>
-        </p:style>
-        <p:txBody>
-          <a:bodyPr rtlCol="0" anchor="ctr"/>
-          <a:lstStyle/>
-          <a:p>
-            <a:pPr algn="ctr"/>
-            <a:endParaRPr lang="sv-SE"/>
-          </a:p>
-        </p:txBody>
-      </p:sp>
-      <p:sp>
-        <p:nvSpPr>
-          <p:cNvPr id="6" name="Arrow: Right 5">
-            <a:extLst>
-              <a:ext uri="{FF2B5EF4-FFF2-40B4-BE49-F238E27FC236}">
-                <a16:creationId xmlns:a16="http://schemas.microsoft.com/office/drawing/2014/main" id="{30471252-3489-41A5-8A65-D779206BBE1B}"/>
-              </a:ext>
-            </a:extLst>
-          </p:cNvPr>
-          <p:cNvSpPr/>
-          <p:nvPr/>
-        </p:nvSpPr>
-        <p:spPr>
-          <a:xfrm>
-            <a:off x="2390105" y="1814374"/>
-            <a:ext cx="225552" cy="280416"/>
-          </a:xfrm>
-          <a:prstGeom prst="rightArrow">
-            <a:avLst/>
-          </a:prstGeom>
-        </p:spPr>
-        <p:style>
-          <a:lnRef idx="2">
-            <a:schemeClr val="accent1">
-              <a:shade val="50000"/>
-            </a:schemeClr>
-          </a:lnRef>
-          <a:fillRef idx="1">
-            <a:schemeClr val="accent1"/>
-          </a:fillRef>
-          <a:effectRef idx="0">
-            <a:schemeClr val="accent1"/>
-          </a:effectRef>
-          <a:fontRef idx="minor">
-            <a:schemeClr val="lt1"/>
-          </a:fontRef>
-        </p:style>
-        <p:txBody>
-          <a:bodyPr rtlCol="0" anchor="ctr"/>
-          <a:lstStyle/>
-          <a:p>
-            <a:pPr algn="ctr"/>
-            <a:endParaRPr lang="sv-SE"/>
-          </a:p>
-        </p:txBody>
-      </p:sp>
-      <p:sp>
-        <p:nvSpPr>
-          <p:cNvPr id="7" name="Arrow: Right 6">
-            <a:extLst>
-              <a:ext uri="{FF2B5EF4-FFF2-40B4-BE49-F238E27FC236}">
-                <a16:creationId xmlns:a16="http://schemas.microsoft.com/office/drawing/2014/main" id="{CF1E41B1-BC1B-47D7-B4E4-DC69A010250A}"/>
-              </a:ext>
-            </a:extLst>
-          </p:cNvPr>
-          <p:cNvSpPr/>
-          <p:nvPr/>
-        </p:nvSpPr>
-        <p:spPr>
-          <a:xfrm>
-            <a:off x="3640202" y="1832583"/>
-            <a:ext cx="225552" cy="280416"/>
-          </a:xfrm>
-          <a:prstGeom prst="rightArrow">
-            <a:avLst/>
-          </a:prstGeom>
-        </p:spPr>
-        <p:style>
-          <a:lnRef idx="2">
-            <a:schemeClr val="accent1">
-              <a:shade val="50000"/>
-            </a:schemeClr>
-          </a:lnRef>
-          <a:fillRef idx="1">
-            <a:schemeClr val="accent1"/>
-          </a:fillRef>
-          <a:effectRef idx="0">
-            <a:schemeClr val="accent1"/>
-          </a:effectRef>
-          <a:fontRef idx="minor">
-            <a:schemeClr val="lt1"/>
-          </a:fontRef>
-        </p:style>
-        <p:txBody>
-          <a:bodyPr rtlCol="0" anchor="ctr"/>
-          <a:lstStyle/>
-          <a:p>
-            <a:pPr algn="ctr"/>
-            <a:endParaRPr lang="sv-SE"/>
-          </a:p>
-        </p:txBody>
-      </p:sp>
-      <p:sp>
-        <p:nvSpPr>
-          <p:cNvPr id="8" name="Arrow: Right 7">
-            <a:extLst>
-              <a:ext uri="{FF2B5EF4-FFF2-40B4-BE49-F238E27FC236}">
-                <a16:creationId xmlns:a16="http://schemas.microsoft.com/office/drawing/2014/main" id="{16616107-A0A0-435F-AC55-1FE2D3AFE748}"/>
-              </a:ext>
-            </a:extLst>
-          </p:cNvPr>
-          <p:cNvSpPr/>
-          <p:nvPr/>
-        </p:nvSpPr>
-        <p:spPr>
-          <a:xfrm>
-            <a:off x="3002280" y="2203059"/>
-            <a:ext cx="225552" cy="280416"/>
-          </a:xfrm>
-          <a:prstGeom prst="rightArrow">
-            <a:avLst/>
-          </a:prstGeom>
-        </p:spPr>
-        <p:style>
-          <a:lnRef idx="2">
-            <a:schemeClr val="accent1">
-              <a:shade val="50000"/>
-            </a:schemeClr>
-          </a:lnRef>
-          <a:fillRef idx="1">
-            <a:schemeClr val="accent1"/>
-          </a:fillRef>
-          <a:effectRef idx="0">
-            <a:schemeClr val="accent1"/>
-          </a:effectRef>
-          <a:fontRef idx="minor">
-            <a:schemeClr val="lt1"/>
-          </a:fontRef>
-        </p:style>
-        <p:txBody>
-          <a:bodyPr rtlCol="0" anchor="ctr"/>
-          <a:lstStyle/>
-          <a:p>
-            <a:pPr algn="ctr"/>
-            <a:endParaRPr lang="sv-SE"/>
-          </a:p>
-        </p:txBody>
-      </p:sp>
-      <p:sp>
-        <p:nvSpPr>
-          <p:cNvPr id="9" name="Arrow: Right 8">
-            <a:extLst>
-              <a:ext uri="{FF2B5EF4-FFF2-40B4-BE49-F238E27FC236}">
-                <a16:creationId xmlns:a16="http://schemas.microsoft.com/office/drawing/2014/main" id="{ED101C5E-CA6B-4CDE-89B3-51393A4A01BC}"/>
-              </a:ext>
-            </a:extLst>
-          </p:cNvPr>
-          <p:cNvSpPr/>
-          <p:nvPr/>
-        </p:nvSpPr>
-        <p:spPr>
-          <a:xfrm>
-            <a:off x="5166360" y="2203059"/>
-            <a:ext cx="225552" cy="280416"/>
-          </a:xfrm>
-          <a:prstGeom prst="rightArrow">
-            <a:avLst/>
-          </a:prstGeom>
-        </p:spPr>
-        <p:style>
-          <a:lnRef idx="2">
-            <a:schemeClr val="accent1">
-              <a:shade val="50000"/>
-            </a:schemeClr>
-          </a:lnRef>
-          <a:fillRef idx="1">
-            <a:schemeClr val="accent1"/>
-          </a:fillRef>
-          <a:effectRef idx="0">
-            <a:schemeClr val="accent1"/>
-          </a:effectRef>
-          <a:fontRef idx="minor">
-            <a:schemeClr val="lt1"/>
-          </a:fontRef>
-        </p:style>
-        <p:txBody>
-          <a:bodyPr rtlCol="0" anchor="ctr"/>
-          <a:lstStyle/>
-          <a:p>
-            <a:pPr algn="ctr"/>
-            <a:endParaRPr lang="sv-SE"/>
-          </a:p>
-        </p:txBody>
-      </p:sp>
-      <p:pic>
-        <p:nvPicPr>
-          <p:cNvPr id="11" name="Picture 10">
-            <a:extLst>
-              <a:ext uri="{FF2B5EF4-FFF2-40B4-BE49-F238E27FC236}">
-                <a16:creationId xmlns:a16="http://schemas.microsoft.com/office/drawing/2014/main" id="{81A90D3C-B5CF-4194-85CE-E1C0BBFA2C95}"/>
-              </a:ext>
-            </a:extLst>
-          </p:cNvPr>
-          <p:cNvPicPr>
-            <a:picLocks noChangeAspect="1"/>
-          </p:cNvPicPr>
-          <p:nvPr/>
-        </p:nvPicPr>
-        <p:blipFill>
-          <a:blip r:embed="rId2"/>
-          <a:stretch>
-            <a:fillRect/>
-          </a:stretch>
-        </p:blipFill>
-        <p:spPr>
-          <a:xfrm>
-            <a:off x="787107" y="2756134"/>
-            <a:ext cx="4540267" cy="3804232"/>
-          </a:xfrm>
-          <a:prstGeom prst="rect">
-            <a:avLst/>
-          </a:prstGeom>
-        </p:spPr>
-      </p:pic>
-      <p:pic>
-        <p:nvPicPr>
-          <p:cNvPr id="12" name="Picture 11" descr="A circuit board&#10;&#10;Description generated with very high confidence">
-            <a:extLst>
-              <a:ext uri="{FF2B5EF4-FFF2-40B4-BE49-F238E27FC236}">
-                <a16:creationId xmlns:a16="http://schemas.microsoft.com/office/drawing/2014/main" id="{CB09794C-4A13-4159-81EE-F13906D7CF7E}"/>
-              </a:ext>
-            </a:extLst>
-          </p:cNvPr>
-          <p:cNvPicPr>
-            <a:picLocks noChangeAspect="1"/>
-          </p:cNvPicPr>
-          <p:nvPr/>
-        </p:nvPicPr>
-        <p:blipFill rotWithShape="1">
-          <a:blip r:embed="rId3"/>
-          <a:srcRect l="15952" t="36670" r="24428" b="19472"/>
-          <a:stretch/>
-        </p:blipFill>
-        <p:spPr>
-          <a:xfrm>
-            <a:off x="5714402" y="3159216"/>
-            <a:ext cx="5246712" cy="2894657"/>
-          </a:xfrm>
-          <a:prstGeom prst="rect">
-            <a:avLst/>
-          </a:prstGeom>
-          <a:ln w="57150">
-            <a:solidFill>
-              <a:schemeClr val="accent1">
-                <a:lumMod val="75000"/>
-              </a:schemeClr>
-            </a:solidFill>
-          </a:ln>
-        </p:spPr>
-      </p:pic>
-    </p:spTree>
-    <p:extLst>
-      <p:ext uri="{BB962C8B-B14F-4D97-AF65-F5344CB8AC3E}">
-        <p14:creationId xmlns:p14="http://schemas.microsoft.com/office/powerpoint/2010/main" val="3628960560"/>
-      </p:ext>
-    </p:extLst>
-  </p:cSld>
-  <p:clrMapOvr>
-    <a:masterClrMapping/>
-  </p:clrMapOvr>
-</p:sld>
-</file>
-
-<file path=ppt/slides/slide6.xml><?xml version="1.0" encoding="utf-8"?>
-<p:sld xmlns:a="http://schemas.openxmlformats.org/drawingml/2006/main" xmlns:r="http://schemas.openxmlformats.org/officeDocument/2006/relationships" xmlns:p="http://schemas.openxmlformats.org/presentationml/2006/main">
-  <p:cSld>
-    <p:spTree>
-      <p:nvGrpSpPr>
-        <p:cNvPr id="1" name=""/>
-        <p:cNvGrpSpPr/>
-        <p:nvPr/>
-      </p:nvGrpSpPr>
-      <p:grpSpPr>
-        <a:xfrm>
-          <a:off x="0" y="0"/>
-          <a:ext cx="0" cy="0"/>
-          <a:chOff x="0" y="0"/>
-          <a:chExt cx="0" cy="0"/>
-        </a:xfrm>
-      </p:grpSpPr>
-      <p:sp>
-        <p:nvSpPr>
-          <p:cNvPr id="2" name="Title 1">
-            <a:extLst>
-              <a:ext uri="{FF2B5EF4-FFF2-40B4-BE49-F238E27FC236}">
-                <a16:creationId xmlns:a16="http://schemas.microsoft.com/office/drawing/2014/main" id="{E51F3574-FABE-4CC0-99A8-80D088270A7F}"/>
-              </a:ext>
-            </a:extLst>
-          </p:cNvPr>
-          <p:cNvSpPr>
-            <a:spLocks noGrp="1"/>
-          </p:cNvSpPr>
-          <p:nvPr>
-            <p:ph type="title"/>
-          </p:nvPr>
-        </p:nvSpPr>
-        <p:spPr/>
-        <p:txBody>
-          <a:bodyPr/>
-          <a:lstStyle/>
-          <a:p>
-            <a:r>
-              <a:rPr lang="en-US" dirty="0" err="1"/>
-              <a:t>Användningsfall</a:t>
-            </a:r>
-            <a:endParaRPr lang="en-US" dirty="0"/>
-          </a:p>
-        </p:txBody>
-      </p:sp>
-      <p:pic>
-        <p:nvPicPr>
-          <p:cNvPr id="4" name="Content Placeholder 3" descr="A screenshot of a cell phone&#10;&#10;Description generated with very high confidence">
-            <a:extLst>
-              <a:ext uri="{FF2B5EF4-FFF2-40B4-BE49-F238E27FC236}">
-                <a16:creationId xmlns:a16="http://schemas.microsoft.com/office/drawing/2014/main" id="{2AA05C83-1B28-4D8B-9487-2AE9DB8E6DDE}"/>
-              </a:ext>
-            </a:extLst>
-          </p:cNvPr>
-          <p:cNvPicPr>
-            <a:picLocks noGrp="1" noChangeAspect="1"/>
-          </p:cNvPicPr>
-          <p:nvPr>
-            <p:ph idx="1"/>
-          </p:nvPr>
-        </p:nvPicPr>
-        <p:blipFill>
-          <a:blip r:embed="rId2"/>
-          <a:stretch>
-            <a:fillRect/>
-          </a:stretch>
-        </p:blipFill>
-        <p:spPr>
-          <a:xfrm>
-            <a:off x="7122542" y="639437"/>
-            <a:ext cx="2980395" cy="5301129"/>
-          </a:xfrm>
-          <a:prstGeom prst="rect">
-            <a:avLst/>
-          </a:prstGeom>
-          <a:ln w="38100">
-            <a:solidFill>
-              <a:schemeClr val="accent1">
-                <a:lumMod val="75000"/>
-              </a:schemeClr>
-            </a:solidFill>
-          </a:ln>
-        </p:spPr>
-      </p:pic>
-      <p:pic>
-        <p:nvPicPr>
-          <p:cNvPr id="5" name="Picture 4">
-            <a:extLst>
-              <a:ext uri="{FF2B5EF4-FFF2-40B4-BE49-F238E27FC236}">
-                <a16:creationId xmlns:a16="http://schemas.microsoft.com/office/drawing/2014/main" id="{58FF2D92-DCE8-4DFB-A355-3515991EF67A}"/>
-              </a:ext>
-            </a:extLst>
-          </p:cNvPr>
-          <p:cNvPicPr>
-            <a:picLocks noChangeAspect="1"/>
-          </p:cNvPicPr>
-          <p:nvPr/>
-        </p:nvPicPr>
-        <p:blipFill>
-          <a:blip r:embed="rId3"/>
-          <a:stretch>
-            <a:fillRect/>
-          </a:stretch>
-        </p:blipFill>
-        <p:spPr>
-          <a:xfrm>
-            <a:off x="677334" y="1712686"/>
-            <a:ext cx="6183473" cy="4227880"/>
-          </a:xfrm>
-          <a:prstGeom prst="rect">
-            <a:avLst/>
-          </a:prstGeom>
-          <a:ln w="38100">
-            <a:solidFill>
-              <a:schemeClr val="accent1">
-                <a:lumMod val="75000"/>
-              </a:schemeClr>
-            </a:solidFill>
-          </a:ln>
-        </p:spPr>
-      </p:pic>
-    </p:spTree>
-    <p:extLst>
-      <p:ext uri="{BB962C8B-B14F-4D97-AF65-F5344CB8AC3E}">
-        <p14:creationId xmlns:p14="http://schemas.microsoft.com/office/powerpoint/2010/main" val="285781618"/>
-      </p:ext>
-    </p:extLst>
-  </p:cSld>
-  <p:clrMapOvr>
-    <a:masterClrMapping/>
-  </p:clrMapOvr>
-</p:sld>
-</file>
-
 <file path=ppt/slides/slide7.xml><?xml version="1.0" encoding="utf-8"?>
 <p:sld xmlns:a="http://schemas.openxmlformats.org/drawingml/2006/main" xmlns:r="http://schemas.openxmlformats.org/officeDocument/2006/relationships" xmlns:p="http://schemas.openxmlformats.org/presentationml/2006/main">
   <p:cSld>
@@ -7528,7 +7616,7 @@
           <p:cNvPr id="2" name="Title 1">
             <a:extLst>
               <a:ext uri="{FF2B5EF4-FFF2-40B4-BE49-F238E27FC236}">
-                <a16:creationId xmlns:a16="http://schemas.microsoft.com/office/drawing/2014/main" id="{9C4F7D3B-DD9F-4DB9-97C1-72412FFD24A7}"/>
+                <a16:creationId xmlns:a16="http://schemas.microsoft.com/office/drawing/2014/main" id="{A194ACC2-748A-4E54-B9D4-824D6627E2CC}"/>
               </a:ext>
             </a:extLst>
           </p:cNvPr>
@@ -7545,45 +7633,89 @@
           <a:lstStyle/>
           <a:p>
             <a:r>
-              <a:rPr lang="en-US" dirty="0" err="1"/>
-              <a:t>Länkar</a:t>
-            </a:r>
-            <a:endParaRPr lang="en-US" dirty="0"/>
-          </a:p>
-        </p:txBody>
-      </p:sp>
-      <p:sp>
-        <p:nvSpPr>
-          <p:cNvPr id="3" name="Content Placeholder 2">
+              <a:rPr lang="sv-SE" dirty="0"/>
+              <a:t>Router-konfiguration</a:t>
+            </a:r>
+            <a:endParaRPr lang="en-US" dirty="0"/>
+          </a:p>
+        </p:txBody>
+      </p:sp>
+      <p:pic>
+        <p:nvPicPr>
+          <p:cNvPr id="5" name="Content Placeholder 4" descr="A screenshot of a cell phone&#10;&#10;Description generated with very high confidence">
             <a:extLst>
               <a:ext uri="{FF2B5EF4-FFF2-40B4-BE49-F238E27FC236}">
-                <a16:creationId xmlns:a16="http://schemas.microsoft.com/office/drawing/2014/main" id="{E28DD783-660B-4B6E-8BEA-CB73FE238221}"/>
+                <a16:creationId xmlns:a16="http://schemas.microsoft.com/office/drawing/2014/main" id="{F4D07E7B-8693-4801-B523-3117BF843E51}"/>
               </a:ext>
             </a:extLst>
           </p:cNvPr>
-          <p:cNvSpPr>
-            <a:spLocks noGrp="1"/>
-          </p:cNvSpPr>
+          <p:cNvPicPr>
+            <a:picLocks noGrp="1" noChangeAspect="1"/>
+          </p:cNvPicPr>
           <p:nvPr>
             <p:ph idx="1"/>
           </p:nvPr>
-        </p:nvSpPr>
-        <p:spPr/>
-        <p:txBody>
-          <a:bodyPr/>
-          <a:lstStyle/>
-          <a:p>
-            <a:r>
-              <a:rPr lang="en-US" dirty="0"/>
-              <a:t>https://github.com/GoblinDynamiteer/voteMachine</a:t>
-            </a:r>
-          </a:p>
-        </p:txBody>
-      </p:sp>
+        </p:nvPicPr>
+        <p:blipFill>
+          <a:blip r:embed="rId2"/>
+          <a:stretch>
+            <a:fillRect/>
+          </a:stretch>
+        </p:blipFill>
+        <p:spPr>
+          <a:xfrm>
+            <a:off x="6519334" y="1754294"/>
+            <a:ext cx="5002435" cy="4128749"/>
+          </a:xfrm>
+          <a:ln w="38100">
+            <a:solidFill>
+              <a:schemeClr val="accent1">
+                <a:lumMod val="75000"/>
+              </a:schemeClr>
+            </a:solidFill>
+          </a:ln>
+        </p:spPr>
+      </p:pic>
+      <p:pic>
+        <p:nvPicPr>
+          <p:cNvPr id="7" name="Picture 6" descr="A screenshot of a computer&#10;&#10;Description generated with very high confidence">
+            <a:extLst>
+              <a:ext uri="{FF2B5EF4-FFF2-40B4-BE49-F238E27FC236}">
+                <a16:creationId xmlns:a16="http://schemas.microsoft.com/office/drawing/2014/main" id="{EC9C671F-026A-4C4B-BDA7-14CC65AE51A5}"/>
+              </a:ext>
+            </a:extLst>
+          </p:cNvPr>
+          <p:cNvPicPr>
+            <a:picLocks noChangeAspect="1"/>
+          </p:cNvPicPr>
+          <p:nvPr/>
+        </p:nvPicPr>
+        <p:blipFill rotWithShape="1">
+          <a:blip r:embed="rId3"/>
+          <a:srcRect l="12726" t="8507" r="14279" b="7743"/>
+          <a:stretch/>
+        </p:blipFill>
+        <p:spPr>
+          <a:xfrm>
+            <a:off x="489911" y="1754294"/>
+            <a:ext cx="5842000" cy="3768498"/>
+          </a:xfrm>
+          <a:prstGeom prst="rect">
+            <a:avLst/>
+          </a:prstGeom>
+          <a:ln w="38100">
+            <a:solidFill>
+              <a:schemeClr val="accent1">
+                <a:lumMod val="75000"/>
+              </a:schemeClr>
+            </a:solidFill>
+          </a:ln>
+        </p:spPr>
+      </p:pic>
     </p:spTree>
     <p:extLst>
       <p:ext uri="{BB962C8B-B14F-4D97-AF65-F5344CB8AC3E}">
-        <p14:creationId xmlns:p14="http://schemas.microsoft.com/office/powerpoint/2010/main" val="199235954"/>
+        <p14:creationId xmlns:p14="http://schemas.microsoft.com/office/powerpoint/2010/main" val="2174814129"/>
       </p:ext>
     </p:extLst>
   </p:cSld>

--- a/Documentation/presentation/voteMachine.pptx
+++ b/Documentation/presentation/voteMachine.pptx
@@ -7464,6 +7464,13 @@
           <a:p>
             <a:r>
               <a:rPr lang="sv-SE" sz="1500" dirty="0" err="1"/>
+              <a:t>Regex</a:t>
+            </a:r>
+            <a:endParaRPr lang="sv-SE" sz="1500" dirty="0"/>
+          </a:p>
+          <a:p>
+            <a:r>
+              <a:rPr lang="sv-SE" sz="1500" dirty="0" err="1"/>
               <a:t>jQuery</a:t>
             </a:r>
             <a:endParaRPr lang="sv-SE" sz="1500" dirty="0"/>
